--- a/docs/part2os/11_VM/OS_Lecture_11.pptx
+++ b/docs/part2os/11_VM/OS_Lecture_11.pptx
@@ -160,7 +160,7 @@
   </p:defaultTextStyle>
   <p:extLst>
     <p:ext uri="{EFAFB233-063F-42B5-8137-9DF3F51BA10A}">
-      <p15:sldGuideLst xmlns:p15="http://schemas.microsoft.com/office/powerpoint/2012/main">
+      <p15:sldGuideLst xmlns:p15="http://schemas.microsoft.com/office/powerpoint/2012/main" xmlns="">
         <p15:guide id="1" orient="horz" pos="2160">
           <p15:clr>
             <a:srgbClr val="A4A3A4"/>
@@ -174,7 +174,7 @@
       </p15:sldGuideLst>
     </p:ext>
     <p:ext uri="{2D200454-40CA-4A62-9FC3-DE9A4176ACB9}">
-      <p15:notesGuideLst xmlns:p15="http://schemas.microsoft.com/office/powerpoint/2012/main">
+      <p15:notesGuideLst xmlns:p15="http://schemas.microsoft.com/office/powerpoint/2012/main" xmlns="">
         <p15:guide id="1" orient="horz" pos="2880">
           <p15:clr>
             <a:srgbClr val="A4A3A4"/>
@@ -282,7 +282,7 @@
             <a:fld id="{D0106195-8D78-4F6F-B8E4-FA67975ACEF5}" type="datetimeFigureOut">
               <a:rPr lang="ru-RU" smtClean="0"/>
               <a:pPr/>
-              <a:t>30.05.2021</a:t>
+              <a:t>31.05.2021</a:t>
             </a:fld>
             <a:endParaRPr lang="ru-RU"/>
           </a:p>
@@ -358,7 +358,7 @@
     </p:spTree>
     <p:extLst>
       <p:ext uri="{BB962C8B-B14F-4D97-AF65-F5344CB8AC3E}">
-        <p14:creationId xmlns:p14="http://schemas.microsoft.com/office/powerpoint/2010/main" val="827279973"/>
+        <p14:creationId xmlns:p14="http://schemas.microsoft.com/office/powerpoint/2010/main" xmlns="" val="827279973"/>
       </p:ext>
     </p:extLst>
   </p:cSld>
@@ -450,7 +450,7 @@
             <a:fld id="{878212F1-C3D9-4F2B-8F42-5E960FE8BE51}" type="datetimeFigureOut">
               <a:rPr lang="ru-RU" smtClean="0"/>
               <a:pPr/>
-              <a:t>30.05.2021</a:t>
+              <a:t>31.05.2021</a:t>
             </a:fld>
             <a:endParaRPr lang="ru-RU"/>
           </a:p>
@@ -619,7 +619,7 @@
     </p:spTree>
     <p:extLst>
       <p:ext uri="{BB962C8B-B14F-4D97-AF65-F5344CB8AC3E}">
-        <p14:creationId xmlns:p14="http://schemas.microsoft.com/office/powerpoint/2010/main" val="3865021395"/>
+        <p14:creationId xmlns:p14="http://schemas.microsoft.com/office/powerpoint/2010/main" xmlns="" val="3865021395"/>
       </p:ext>
     </p:extLst>
   </p:cSld>
@@ -833,7 +833,7 @@
     </p:spTree>
     <p:extLst>
       <p:ext uri="{BB962C8B-B14F-4D97-AF65-F5344CB8AC3E}">
-        <p14:creationId xmlns:p14="http://schemas.microsoft.com/office/powerpoint/2010/main" val="2381791527"/>
+        <p14:creationId xmlns:p14="http://schemas.microsoft.com/office/powerpoint/2010/main" xmlns="" val="2381791527"/>
       </p:ext>
     </p:extLst>
   </p:cSld>
@@ -875,14 +875,14 @@
           <a:ln/>
           <a:extLst>
             <a:ext uri="{909E8E84-426E-40DD-AFC4-6F175D3DCCD1}">
-              <a14:hiddenFill xmlns:a14="http://schemas.microsoft.com/office/drawing/2010/main">
+              <a14:hiddenFill xmlns:a14="http://schemas.microsoft.com/office/drawing/2010/main" xmlns="">
                 <a:solidFill>
                   <a:srgbClr val="FFFFFF"/>
                 </a:solidFill>
               </a14:hiddenFill>
             </a:ext>
             <a:ext uri="{91240B29-F687-4F45-9708-019B960494DF}">
-              <a14:hiddenLine xmlns:a14="http://schemas.microsoft.com/office/drawing/2010/main" w="9525">
+              <a14:hiddenLine xmlns:a14="http://schemas.microsoft.com/office/drawing/2010/main" xmlns="" w="9525">
                 <a:solidFill>
                   <a:srgbClr val="000000"/>
                 </a:solidFill>
@@ -1045,14 +1045,14 @@
           <a:ln/>
           <a:extLst>
             <a:ext uri="{909E8E84-426E-40DD-AFC4-6F175D3DCCD1}">
-              <a14:hiddenFill xmlns:a14="http://schemas.microsoft.com/office/drawing/2010/main">
+              <a14:hiddenFill xmlns:a14="http://schemas.microsoft.com/office/drawing/2010/main" xmlns="">
                 <a:solidFill>
                   <a:srgbClr val="FFFFFF"/>
                 </a:solidFill>
               </a14:hiddenFill>
             </a:ext>
             <a:ext uri="{91240B29-F687-4F45-9708-019B960494DF}">
-              <a14:hiddenLine xmlns:a14="http://schemas.microsoft.com/office/drawing/2010/main" w="9525">
+              <a14:hiddenLine xmlns:a14="http://schemas.microsoft.com/office/drawing/2010/main" xmlns="" w="9525">
                 <a:solidFill>
                   <a:srgbClr val="000000"/>
                 </a:solidFill>
@@ -1076,7 +1076,7 @@
     </p:spTree>
     <p:extLst>
       <p:ext uri="{BB962C8B-B14F-4D97-AF65-F5344CB8AC3E}">
-        <p14:creationId xmlns:p14="http://schemas.microsoft.com/office/powerpoint/2010/main" val="2176503670"/>
+        <p14:creationId xmlns:p14="http://schemas.microsoft.com/office/powerpoint/2010/main" xmlns="" val="2176503670"/>
       </p:ext>
     </p:extLst>
   </p:cSld>
@@ -1118,14 +1118,14 @@
           <a:ln/>
           <a:extLst>
             <a:ext uri="{909E8E84-426E-40DD-AFC4-6F175D3DCCD1}">
-              <a14:hiddenFill xmlns:a14="http://schemas.microsoft.com/office/drawing/2010/main">
+              <a14:hiddenFill xmlns:a14="http://schemas.microsoft.com/office/drawing/2010/main" xmlns="">
                 <a:solidFill>
                   <a:srgbClr val="FFFFFF"/>
                 </a:solidFill>
               </a14:hiddenFill>
             </a:ext>
             <a:ext uri="{91240B29-F687-4F45-9708-019B960494DF}">
-              <a14:hiddenLine xmlns:a14="http://schemas.microsoft.com/office/drawing/2010/main" w="9525">
+              <a14:hiddenLine xmlns:a14="http://schemas.microsoft.com/office/drawing/2010/main" xmlns="" w="9525">
                 <a:solidFill>
                   <a:srgbClr val="000000"/>
                 </a:solidFill>
@@ -1288,14 +1288,14 @@
           <a:ln/>
           <a:extLst>
             <a:ext uri="{909E8E84-426E-40DD-AFC4-6F175D3DCCD1}">
-              <a14:hiddenFill xmlns:a14="http://schemas.microsoft.com/office/drawing/2010/main">
+              <a14:hiddenFill xmlns:a14="http://schemas.microsoft.com/office/drawing/2010/main" xmlns="">
                 <a:solidFill>
                   <a:srgbClr val="FFFFFF"/>
                 </a:solidFill>
               </a14:hiddenFill>
             </a:ext>
             <a:ext uri="{91240B29-F687-4F45-9708-019B960494DF}">
-              <a14:hiddenLine xmlns:a14="http://schemas.microsoft.com/office/drawing/2010/main" w="9525">
+              <a14:hiddenLine xmlns:a14="http://schemas.microsoft.com/office/drawing/2010/main" xmlns="" w="9525">
                 <a:solidFill>
                   <a:srgbClr val="000000"/>
                 </a:solidFill>
@@ -1319,7 +1319,7 @@
     </p:spTree>
     <p:extLst>
       <p:ext uri="{BB962C8B-B14F-4D97-AF65-F5344CB8AC3E}">
-        <p14:creationId xmlns:p14="http://schemas.microsoft.com/office/powerpoint/2010/main" val="668111116"/>
+        <p14:creationId xmlns:p14="http://schemas.microsoft.com/office/powerpoint/2010/main" xmlns="" val="668111116"/>
       </p:ext>
     </p:extLst>
   </p:cSld>
@@ -1442,7 +1442,7 @@
     </p:spTree>
     <p:extLst>
       <p:ext uri="{BB962C8B-B14F-4D97-AF65-F5344CB8AC3E}">
-        <p14:creationId xmlns:p14="http://schemas.microsoft.com/office/powerpoint/2010/main" val="1915950851"/>
+        <p14:creationId xmlns:p14="http://schemas.microsoft.com/office/powerpoint/2010/main" xmlns="" val="1915950851"/>
       </p:ext>
     </p:extLst>
   </p:cSld>
@@ -1702,7 +1702,7 @@
     </p:spTree>
     <p:extLst>
       <p:ext uri="{BB962C8B-B14F-4D97-AF65-F5344CB8AC3E}">
-        <p14:creationId xmlns:p14="http://schemas.microsoft.com/office/powerpoint/2010/main" val="322455162"/>
+        <p14:creationId xmlns:p14="http://schemas.microsoft.com/office/powerpoint/2010/main" xmlns="" val="322455162"/>
       </p:ext>
     </p:extLst>
   </p:cSld>
@@ -1876,7 +1876,7 @@
     </p:spTree>
     <p:extLst>
       <p:ext uri="{BB962C8B-B14F-4D97-AF65-F5344CB8AC3E}">
-        <p14:creationId xmlns:p14="http://schemas.microsoft.com/office/powerpoint/2010/main" val="971117636"/>
+        <p14:creationId xmlns:p14="http://schemas.microsoft.com/office/powerpoint/2010/main" xmlns="" val="971117636"/>
       </p:ext>
     </p:extLst>
   </p:cSld>
@@ -2053,7 +2053,7 @@
     </p:spTree>
     <p:extLst>
       <p:ext uri="{BB962C8B-B14F-4D97-AF65-F5344CB8AC3E}">
-        <p14:creationId xmlns:p14="http://schemas.microsoft.com/office/powerpoint/2010/main" val="3348877825"/>
+        <p14:creationId xmlns:p14="http://schemas.microsoft.com/office/powerpoint/2010/main" xmlns="" val="3348877825"/>
       </p:ext>
     </p:extLst>
   </p:cSld>
@@ -2378,7 +2378,7 @@
     </p:spTree>
     <p:extLst>
       <p:ext uri="{BB962C8B-B14F-4D97-AF65-F5344CB8AC3E}">
-        <p14:creationId xmlns:p14="http://schemas.microsoft.com/office/powerpoint/2010/main" val="3256953994"/>
+        <p14:creationId xmlns:p14="http://schemas.microsoft.com/office/powerpoint/2010/main" xmlns="" val="3256953994"/>
       </p:ext>
     </p:extLst>
   </p:cSld>
@@ -2628,7 +2628,7 @@
     </p:spTree>
     <p:extLst>
       <p:ext uri="{BB962C8B-B14F-4D97-AF65-F5344CB8AC3E}">
-        <p14:creationId xmlns:p14="http://schemas.microsoft.com/office/powerpoint/2010/main" val="3067076846"/>
+        <p14:creationId xmlns:p14="http://schemas.microsoft.com/office/powerpoint/2010/main" xmlns="" val="3067076846"/>
       </p:ext>
     </p:extLst>
   </p:cSld>
@@ -2864,7 +2864,7 @@
     </p:spTree>
     <p:extLst>
       <p:ext uri="{BB962C8B-B14F-4D97-AF65-F5344CB8AC3E}">
-        <p14:creationId xmlns:p14="http://schemas.microsoft.com/office/powerpoint/2010/main" val="3710015975"/>
+        <p14:creationId xmlns:p14="http://schemas.microsoft.com/office/powerpoint/2010/main" xmlns="" val="3710015975"/>
       </p:ext>
     </p:extLst>
   </p:cSld>
@@ -3235,7 +3235,7 @@
     </p:spTree>
     <p:extLst>
       <p:ext uri="{BB962C8B-B14F-4D97-AF65-F5344CB8AC3E}">
-        <p14:creationId xmlns:p14="http://schemas.microsoft.com/office/powerpoint/2010/main" val="4075590966"/>
+        <p14:creationId xmlns:p14="http://schemas.microsoft.com/office/powerpoint/2010/main" xmlns="" val="4075590966"/>
       </p:ext>
     </p:extLst>
   </p:cSld>
@@ -3357,7 +3357,7 @@
     </p:spTree>
     <p:extLst>
       <p:ext uri="{BB962C8B-B14F-4D97-AF65-F5344CB8AC3E}">
-        <p14:creationId xmlns:p14="http://schemas.microsoft.com/office/powerpoint/2010/main" val="2889604898"/>
+        <p14:creationId xmlns:p14="http://schemas.microsoft.com/office/powerpoint/2010/main" xmlns="" val="2889604898"/>
       </p:ext>
     </p:extLst>
   </p:cSld>
@@ -3456,7 +3456,7 @@
     </p:spTree>
     <p:extLst>
       <p:ext uri="{BB962C8B-B14F-4D97-AF65-F5344CB8AC3E}">
-        <p14:creationId xmlns:p14="http://schemas.microsoft.com/office/powerpoint/2010/main" val="152384765"/>
+        <p14:creationId xmlns:p14="http://schemas.microsoft.com/office/powerpoint/2010/main" xmlns="" val="152384765"/>
       </p:ext>
     </p:extLst>
   </p:cSld>
@@ -3737,7 +3737,7 @@
     </p:spTree>
     <p:extLst>
       <p:ext uri="{BB962C8B-B14F-4D97-AF65-F5344CB8AC3E}">
-        <p14:creationId xmlns:p14="http://schemas.microsoft.com/office/powerpoint/2010/main" val="2127791886"/>
+        <p14:creationId xmlns:p14="http://schemas.microsoft.com/office/powerpoint/2010/main" xmlns="" val="2127791886"/>
       </p:ext>
     </p:extLst>
   </p:cSld>
@@ -3994,7 +3994,7 @@
     </p:spTree>
     <p:extLst>
       <p:ext uri="{BB962C8B-B14F-4D97-AF65-F5344CB8AC3E}">
-        <p14:creationId xmlns:p14="http://schemas.microsoft.com/office/powerpoint/2010/main" val="1752705130"/>
+        <p14:creationId xmlns:p14="http://schemas.microsoft.com/office/powerpoint/2010/main" xmlns="" val="1752705130"/>
       </p:ext>
     </p:extLst>
   </p:cSld>
@@ -4247,7 +4247,7 @@
     </p:spTree>
     <p:extLst>
       <p:ext uri="{BB962C8B-B14F-4D97-AF65-F5344CB8AC3E}">
-        <p14:creationId xmlns:p14="http://schemas.microsoft.com/office/powerpoint/2010/main" val="968833914"/>
+        <p14:creationId xmlns:p14="http://schemas.microsoft.com/office/powerpoint/2010/main" xmlns="" val="968833914"/>
       </p:ext>
     </p:extLst>
   </p:cSld>
@@ -4626,11 +4626,7 @@
             </a:br>
             <a:r>
               <a:rPr lang="en-US" b="1" smtClean="0"/>
-              <a:t>Lecture </a:t>
-            </a:r>
-            <a:r>
-              <a:rPr lang="en-US" b="1" smtClean="0"/>
-              <a:t>11: </a:t>
+              <a:t>Lecture 11: </a:t>
             </a:r>
             <a:r>
               <a:rPr lang="en-US" b="1" dirty="0" smtClean="0"/>
@@ -4737,7 +4733,7 @@
     </p:spTree>
     <p:extLst>
       <p:ext uri="{BB962C8B-B14F-4D97-AF65-F5344CB8AC3E}">
-        <p14:creationId xmlns:p14="http://schemas.microsoft.com/office/powerpoint/2010/main" val="2492894732"/>
+        <p14:creationId xmlns:p14="http://schemas.microsoft.com/office/powerpoint/2010/main" xmlns="" val="2492894732"/>
       </p:ext>
     </p:extLst>
   </p:cSld>
@@ -4887,10 +4883,40 @@
           </a:p>
         </p:txBody>
       </p:sp>
+      <p:sp>
+        <p:nvSpPr>
+          <p:cNvPr id="4" name="Номер слайда 5"/>
+          <p:cNvSpPr>
+            <a:spLocks noGrp="1"/>
+          </p:cNvSpPr>
+          <p:nvPr>
+            <p:ph type="sldNum" sz="quarter" idx="12"/>
+          </p:nvPr>
+        </p:nvSpPr>
+        <p:spPr>
+          <a:xfrm>
+            <a:off x="10776031" y="6190938"/>
+            <a:ext cx="594673" cy="479419"/>
+          </a:xfrm>
+        </p:spPr>
+        <p:txBody>
+          <a:bodyPr/>
+          <a:lstStyle/>
+          <a:p>
+            <a:pPr algn="ctr"/>
+            <a:fld id="{1397BFD8-F312-4EF2-A268-44FB4BDDBBB0}" type="slidenum">
+              <a:rPr lang="ru-RU" smtClean="0"/>
+              <a:pPr algn="ctr"/>
+              <a:t>10</a:t>
+            </a:fld>
+            <a:endParaRPr lang="ru-RU" dirty="0"/>
+          </a:p>
+        </p:txBody>
+      </p:sp>
     </p:spTree>
     <p:extLst>
       <p:ext uri="{BB962C8B-B14F-4D97-AF65-F5344CB8AC3E}">
-        <p14:creationId xmlns:p14="http://schemas.microsoft.com/office/powerpoint/2010/main" val="3426789879"/>
+        <p14:creationId xmlns:p14="http://schemas.microsoft.com/office/powerpoint/2010/main" xmlns="" val="3426789879"/>
       </p:ext>
     </p:extLst>
   </p:cSld>
@@ -4951,7 +4977,7 @@
           <p:cNvPr id="40962" name="Content Placeholder 2">
             <a:extLst>
               <a:ext uri="{FF2B5EF4-FFF2-40B4-BE49-F238E27FC236}">
-                <a16:creationId xmlns:a16="http://schemas.microsoft.com/office/drawing/2014/main" xmlns="" id="{65276A7D-1087-BC42-BD37-B42EBD696084}"/>
+                <a16:creationId xmlns="" xmlns:a16="http://schemas.microsoft.com/office/drawing/2014/main" id="{65276A7D-1087-BC42-BD37-B42EBD696084}"/>
               </a:ext>
             </a:extLst>
           </p:cNvPr>
@@ -5104,10 +5130,40 @@
           </a:p>
         </p:txBody>
       </p:sp>
+      <p:sp>
+        <p:nvSpPr>
+          <p:cNvPr id="4" name="Номер слайда 5"/>
+          <p:cNvSpPr>
+            <a:spLocks noGrp="1"/>
+          </p:cNvSpPr>
+          <p:nvPr>
+            <p:ph type="sldNum" sz="quarter" idx="12"/>
+          </p:nvPr>
+        </p:nvSpPr>
+        <p:spPr>
+          <a:xfrm>
+            <a:off x="10776031" y="6190938"/>
+            <a:ext cx="594673" cy="479419"/>
+          </a:xfrm>
+        </p:spPr>
+        <p:txBody>
+          <a:bodyPr/>
+          <a:lstStyle/>
+          <a:p>
+            <a:pPr algn="ctr"/>
+            <a:fld id="{1397BFD8-F312-4EF2-A268-44FB4BDDBBB0}" type="slidenum">
+              <a:rPr lang="ru-RU" smtClean="0"/>
+              <a:pPr algn="ctr"/>
+              <a:t>11</a:t>
+            </a:fld>
+            <a:endParaRPr lang="ru-RU" dirty="0"/>
+          </a:p>
+        </p:txBody>
+      </p:sp>
     </p:spTree>
     <p:extLst>
       <p:ext uri="{BB962C8B-B14F-4D97-AF65-F5344CB8AC3E}">
-        <p14:creationId xmlns:p14="http://schemas.microsoft.com/office/powerpoint/2010/main" val="3446534840"/>
+        <p14:creationId xmlns:p14="http://schemas.microsoft.com/office/powerpoint/2010/main" xmlns="" val="3446534840"/>
       </p:ext>
     </p:extLst>
   </p:cSld>
@@ -5234,10 +5290,40 @@
           </a:p>
         </p:txBody>
       </p:sp>
+      <p:sp>
+        <p:nvSpPr>
+          <p:cNvPr id="4" name="Номер слайда 5"/>
+          <p:cNvSpPr>
+            <a:spLocks noGrp="1"/>
+          </p:cNvSpPr>
+          <p:nvPr>
+            <p:ph type="sldNum" sz="quarter" idx="12"/>
+          </p:nvPr>
+        </p:nvSpPr>
+        <p:spPr>
+          <a:xfrm>
+            <a:off x="10776031" y="6190938"/>
+            <a:ext cx="594673" cy="479419"/>
+          </a:xfrm>
+        </p:spPr>
+        <p:txBody>
+          <a:bodyPr/>
+          <a:lstStyle/>
+          <a:p>
+            <a:pPr algn="ctr"/>
+            <a:fld id="{1397BFD8-F312-4EF2-A268-44FB4BDDBBB0}" type="slidenum">
+              <a:rPr lang="ru-RU" smtClean="0"/>
+              <a:pPr algn="ctr"/>
+              <a:t>12</a:t>
+            </a:fld>
+            <a:endParaRPr lang="ru-RU" dirty="0"/>
+          </a:p>
+        </p:txBody>
+      </p:sp>
     </p:spTree>
     <p:extLst>
       <p:ext uri="{BB962C8B-B14F-4D97-AF65-F5344CB8AC3E}">
-        <p14:creationId xmlns:p14="http://schemas.microsoft.com/office/powerpoint/2010/main" val="2399995169"/>
+        <p14:creationId xmlns:p14="http://schemas.microsoft.com/office/powerpoint/2010/main" xmlns="" val="2399995169"/>
       </p:ext>
     </p:extLst>
   </p:cSld>
@@ -5401,10 +5487,40 @@
           </a:p>
         </p:txBody>
       </p:sp>
+      <p:sp>
+        <p:nvSpPr>
+          <p:cNvPr id="4" name="Номер слайда 5"/>
+          <p:cNvSpPr>
+            <a:spLocks noGrp="1"/>
+          </p:cNvSpPr>
+          <p:nvPr>
+            <p:ph type="sldNum" sz="quarter" idx="12"/>
+          </p:nvPr>
+        </p:nvSpPr>
+        <p:spPr>
+          <a:xfrm>
+            <a:off x="10776031" y="6190938"/>
+            <a:ext cx="594673" cy="479419"/>
+          </a:xfrm>
+        </p:spPr>
+        <p:txBody>
+          <a:bodyPr/>
+          <a:lstStyle/>
+          <a:p>
+            <a:pPr algn="ctr"/>
+            <a:fld id="{1397BFD8-F312-4EF2-A268-44FB4BDDBBB0}" type="slidenum">
+              <a:rPr lang="ru-RU" smtClean="0"/>
+              <a:pPr algn="ctr"/>
+              <a:t>13</a:t>
+            </a:fld>
+            <a:endParaRPr lang="ru-RU" dirty="0"/>
+          </a:p>
+        </p:txBody>
+      </p:sp>
     </p:spTree>
     <p:extLst>
       <p:ext uri="{BB962C8B-B14F-4D97-AF65-F5344CB8AC3E}">
-        <p14:creationId xmlns:p14="http://schemas.microsoft.com/office/powerpoint/2010/main" val="258945988"/>
+        <p14:creationId xmlns:p14="http://schemas.microsoft.com/office/powerpoint/2010/main" xmlns="" val="258945988"/>
       </p:ext>
     </p:extLst>
   </p:cSld>
@@ -5483,10 +5599,10 @@
           </p:nvPr>
         </p:nvPicPr>
         <p:blipFill>
-          <a:blip r:embed="rId2">
+          <a:blip r:embed="rId2" cstate="print">
             <a:extLst>
               <a:ext uri="{28A0092B-C50C-407E-A947-70E740481C1C}">
-                <a14:useLocalDpi xmlns:a14="http://schemas.microsoft.com/office/drawing/2010/main" val="0"/>
+                <a14:useLocalDpi xmlns:a14="http://schemas.microsoft.com/office/drawing/2010/main" xmlns="" val="0"/>
               </a:ext>
             </a:extLst>
           </a:blip>
@@ -5502,10 +5618,40 @@
           </a:xfrm>
         </p:spPr>
       </p:pic>
+      <p:sp>
+        <p:nvSpPr>
+          <p:cNvPr id="4" name="Номер слайда 5"/>
+          <p:cNvSpPr>
+            <a:spLocks noGrp="1"/>
+          </p:cNvSpPr>
+          <p:nvPr>
+            <p:ph type="sldNum" sz="quarter" idx="12"/>
+          </p:nvPr>
+        </p:nvSpPr>
+        <p:spPr>
+          <a:xfrm>
+            <a:off x="10776031" y="6190938"/>
+            <a:ext cx="594673" cy="479419"/>
+          </a:xfrm>
+        </p:spPr>
+        <p:txBody>
+          <a:bodyPr/>
+          <a:lstStyle/>
+          <a:p>
+            <a:pPr algn="ctr"/>
+            <a:fld id="{1397BFD8-F312-4EF2-A268-44FB4BDDBBB0}" type="slidenum">
+              <a:rPr lang="ru-RU" smtClean="0"/>
+              <a:pPr algn="ctr"/>
+              <a:t>14</a:t>
+            </a:fld>
+            <a:endParaRPr lang="ru-RU" dirty="0"/>
+          </a:p>
+        </p:txBody>
+      </p:sp>
     </p:spTree>
     <p:extLst>
       <p:ext uri="{BB962C8B-B14F-4D97-AF65-F5344CB8AC3E}">
-        <p14:creationId xmlns:p14="http://schemas.microsoft.com/office/powerpoint/2010/main" val="3248022827"/>
+        <p14:creationId xmlns:p14="http://schemas.microsoft.com/office/powerpoint/2010/main" xmlns="" val="3248022827"/>
       </p:ext>
     </p:extLst>
   </p:cSld>
@@ -5683,10 +5829,40 @@
           </a:p>
         </p:txBody>
       </p:sp>
+      <p:sp>
+        <p:nvSpPr>
+          <p:cNvPr id="4" name="Номер слайда 5"/>
+          <p:cNvSpPr>
+            <a:spLocks noGrp="1"/>
+          </p:cNvSpPr>
+          <p:nvPr>
+            <p:ph type="sldNum" sz="quarter" idx="12"/>
+          </p:nvPr>
+        </p:nvSpPr>
+        <p:spPr>
+          <a:xfrm>
+            <a:off x="10776031" y="6190938"/>
+            <a:ext cx="594673" cy="479419"/>
+          </a:xfrm>
+        </p:spPr>
+        <p:txBody>
+          <a:bodyPr/>
+          <a:lstStyle/>
+          <a:p>
+            <a:pPr algn="ctr"/>
+            <a:fld id="{1397BFD8-F312-4EF2-A268-44FB4BDDBBB0}" type="slidenum">
+              <a:rPr lang="ru-RU" smtClean="0"/>
+              <a:pPr algn="ctr"/>
+              <a:t>15</a:t>
+            </a:fld>
+            <a:endParaRPr lang="ru-RU" dirty="0"/>
+          </a:p>
+        </p:txBody>
+      </p:sp>
     </p:spTree>
     <p:extLst>
       <p:ext uri="{BB962C8B-B14F-4D97-AF65-F5344CB8AC3E}">
-        <p14:creationId xmlns:p14="http://schemas.microsoft.com/office/powerpoint/2010/main" val="1365535529"/>
+        <p14:creationId xmlns:p14="http://schemas.microsoft.com/office/powerpoint/2010/main" xmlns="" val="1365535529"/>
       </p:ext>
     </p:extLst>
   </p:cSld>
@@ -5747,7 +5923,7 @@
           <p:cNvPr id="40962" name="Content Placeholder 2">
             <a:extLst>
               <a:ext uri="{FF2B5EF4-FFF2-40B4-BE49-F238E27FC236}">
-                <a16:creationId xmlns:a16="http://schemas.microsoft.com/office/drawing/2014/main" xmlns="" id="{5D6502A8-D1AD-C043-A73C-FB5268294E12}"/>
+                <a16:creationId xmlns="" xmlns:a16="http://schemas.microsoft.com/office/drawing/2014/main" id="{5D6502A8-D1AD-C043-A73C-FB5268294E12}"/>
               </a:ext>
             </a:extLst>
           </p:cNvPr>
@@ -5916,10 +6092,40 @@
           </a:p>
         </p:txBody>
       </p:sp>
+      <p:sp>
+        <p:nvSpPr>
+          <p:cNvPr id="4" name="Номер слайда 5"/>
+          <p:cNvSpPr>
+            <a:spLocks noGrp="1"/>
+          </p:cNvSpPr>
+          <p:nvPr>
+            <p:ph type="sldNum" sz="quarter" idx="12"/>
+          </p:nvPr>
+        </p:nvSpPr>
+        <p:spPr>
+          <a:xfrm>
+            <a:off x="10776031" y="6190938"/>
+            <a:ext cx="594673" cy="479419"/>
+          </a:xfrm>
+        </p:spPr>
+        <p:txBody>
+          <a:bodyPr/>
+          <a:lstStyle/>
+          <a:p>
+            <a:pPr algn="ctr"/>
+            <a:fld id="{1397BFD8-F312-4EF2-A268-44FB4BDDBBB0}" type="slidenum">
+              <a:rPr lang="ru-RU" smtClean="0"/>
+              <a:pPr algn="ctr"/>
+              <a:t>16</a:t>
+            </a:fld>
+            <a:endParaRPr lang="ru-RU" dirty="0"/>
+          </a:p>
+        </p:txBody>
+      </p:sp>
     </p:spTree>
     <p:extLst>
       <p:ext uri="{BB962C8B-B14F-4D97-AF65-F5344CB8AC3E}">
-        <p14:creationId xmlns:p14="http://schemas.microsoft.com/office/powerpoint/2010/main" val="2758931018"/>
+        <p14:creationId xmlns:p14="http://schemas.microsoft.com/office/powerpoint/2010/main" xmlns="" val="2758931018"/>
       </p:ext>
     </p:extLst>
   </p:cSld>
@@ -5980,7 +6186,7 @@
           <p:cNvPr id="40962" name="Content Placeholder 2">
             <a:extLst>
               <a:ext uri="{FF2B5EF4-FFF2-40B4-BE49-F238E27FC236}">
-                <a16:creationId xmlns:a16="http://schemas.microsoft.com/office/drawing/2014/main" xmlns="" id="{3EFEB4B3-BDE4-FD4C-96E4-3D38D42DD480}"/>
+                <a16:creationId xmlns="" xmlns:a16="http://schemas.microsoft.com/office/drawing/2014/main" id="{3EFEB4B3-BDE4-FD4C-96E4-3D38D42DD480}"/>
               </a:ext>
             </a:extLst>
           </p:cNvPr>
@@ -6100,10 +6306,40 @@
           </a:p>
         </p:txBody>
       </p:sp>
+      <p:sp>
+        <p:nvSpPr>
+          <p:cNvPr id="4" name="Номер слайда 5"/>
+          <p:cNvSpPr>
+            <a:spLocks noGrp="1"/>
+          </p:cNvSpPr>
+          <p:nvPr>
+            <p:ph type="sldNum" sz="quarter" idx="12"/>
+          </p:nvPr>
+        </p:nvSpPr>
+        <p:spPr>
+          <a:xfrm>
+            <a:off x="10776031" y="6190938"/>
+            <a:ext cx="594673" cy="479419"/>
+          </a:xfrm>
+        </p:spPr>
+        <p:txBody>
+          <a:bodyPr/>
+          <a:lstStyle/>
+          <a:p>
+            <a:pPr algn="ctr"/>
+            <a:fld id="{1397BFD8-F312-4EF2-A268-44FB4BDDBBB0}" type="slidenum">
+              <a:rPr lang="ru-RU" smtClean="0"/>
+              <a:pPr algn="ctr"/>
+              <a:t>17</a:t>
+            </a:fld>
+            <a:endParaRPr lang="ru-RU" dirty="0"/>
+          </a:p>
+        </p:txBody>
+      </p:sp>
     </p:spTree>
     <p:extLst>
       <p:ext uri="{BB962C8B-B14F-4D97-AF65-F5344CB8AC3E}">
-        <p14:creationId xmlns:p14="http://schemas.microsoft.com/office/powerpoint/2010/main" val="1277959120"/>
+        <p14:creationId xmlns:p14="http://schemas.microsoft.com/office/powerpoint/2010/main" xmlns="" val="1277959120"/>
       </p:ext>
     </p:extLst>
   </p:cSld>
@@ -6170,10 +6406,10 @@
           </p:nvPr>
         </p:nvPicPr>
         <p:blipFill>
-          <a:blip r:embed="rId2">
+          <a:blip r:embed="rId2" cstate="print">
             <a:extLst>
               <a:ext uri="{28A0092B-C50C-407E-A947-70E740481C1C}">
-                <a14:useLocalDpi xmlns:a14="http://schemas.microsoft.com/office/drawing/2010/main" val="0"/>
+                <a14:useLocalDpi xmlns:a14="http://schemas.microsoft.com/office/drawing/2010/main" xmlns="" val="0"/>
               </a:ext>
             </a:extLst>
           </a:blip>
@@ -6189,10 +6425,40 @@
           </a:xfrm>
         </p:spPr>
       </p:pic>
+      <p:sp>
+        <p:nvSpPr>
+          <p:cNvPr id="4" name="Номер слайда 5"/>
+          <p:cNvSpPr>
+            <a:spLocks noGrp="1"/>
+          </p:cNvSpPr>
+          <p:nvPr>
+            <p:ph type="sldNum" sz="quarter" idx="12"/>
+          </p:nvPr>
+        </p:nvSpPr>
+        <p:spPr>
+          <a:xfrm>
+            <a:off x="10776031" y="6190938"/>
+            <a:ext cx="594673" cy="479419"/>
+          </a:xfrm>
+        </p:spPr>
+        <p:txBody>
+          <a:bodyPr/>
+          <a:lstStyle/>
+          <a:p>
+            <a:pPr algn="ctr"/>
+            <a:fld id="{1397BFD8-F312-4EF2-A268-44FB4BDDBBB0}" type="slidenum">
+              <a:rPr lang="ru-RU" smtClean="0"/>
+              <a:pPr algn="ctr"/>
+              <a:t>18</a:t>
+            </a:fld>
+            <a:endParaRPr lang="ru-RU" dirty="0"/>
+          </a:p>
+        </p:txBody>
+      </p:sp>
     </p:spTree>
     <p:extLst>
       <p:ext uri="{BB962C8B-B14F-4D97-AF65-F5344CB8AC3E}">
-        <p14:creationId xmlns:p14="http://schemas.microsoft.com/office/powerpoint/2010/main" val="4095562124"/>
+        <p14:creationId xmlns:p14="http://schemas.microsoft.com/office/powerpoint/2010/main" xmlns="" val="4095562124"/>
       </p:ext>
     </p:extLst>
   </p:cSld>
@@ -6398,10 +6664,40 @@
           </a:p>
         </p:txBody>
       </p:sp>
+      <p:sp>
+        <p:nvSpPr>
+          <p:cNvPr id="4" name="Номер слайда 5"/>
+          <p:cNvSpPr>
+            <a:spLocks noGrp="1"/>
+          </p:cNvSpPr>
+          <p:nvPr>
+            <p:ph type="sldNum" sz="quarter" idx="12"/>
+          </p:nvPr>
+        </p:nvSpPr>
+        <p:spPr>
+          <a:xfrm>
+            <a:off x="10776031" y="6190938"/>
+            <a:ext cx="594673" cy="479419"/>
+          </a:xfrm>
+        </p:spPr>
+        <p:txBody>
+          <a:bodyPr/>
+          <a:lstStyle/>
+          <a:p>
+            <a:pPr algn="ctr"/>
+            <a:fld id="{1397BFD8-F312-4EF2-A268-44FB4BDDBBB0}" type="slidenum">
+              <a:rPr lang="ru-RU" smtClean="0"/>
+              <a:pPr algn="ctr"/>
+              <a:t>19</a:t>
+            </a:fld>
+            <a:endParaRPr lang="ru-RU" dirty="0"/>
+          </a:p>
+        </p:txBody>
+      </p:sp>
     </p:spTree>
     <p:extLst>
       <p:ext uri="{BB962C8B-B14F-4D97-AF65-F5344CB8AC3E}">
-        <p14:creationId xmlns:p14="http://schemas.microsoft.com/office/powerpoint/2010/main" val="4048016977"/>
+        <p14:creationId xmlns:p14="http://schemas.microsoft.com/office/powerpoint/2010/main" xmlns="" val="4048016977"/>
       </p:ext>
     </p:extLst>
   </p:cSld>
@@ -6560,7 +6856,7 @@
     </p:spTree>
     <p:extLst>
       <p:ext uri="{BB962C8B-B14F-4D97-AF65-F5344CB8AC3E}">
-        <p14:creationId xmlns:p14="http://schemas.microsoft.com/office/powerpoint/2010/main" val="2808099215"/>
+        <p14:creationId xmlns:p14="http://schemas.microsoft.com/office/powerpoint/2010/main" xmlns="" val="2808099215"/>
       </p:ext>
     </p:extLst>
   </p:cSld>
@@ -6763,10 +7059,40 @@
           </a:p>
         </p:txBody>
       </p:sp>
+      <p:sp>
+        <p:nvSpPr>
+          <p:cNvPr id="4" name="Номер слайда 5"/>
+          <p:cNvSpPr>
+            <a:spLocks noGrp="1"/>
+          </p:cNvSpPr>
+          <p:nvPr>
+            <p:ph type="sldNum" sz="quarter" idx="12"/>
+          </p:nvPr>
+        </p:nvSpPr>
+        <p:spPr>
+          <a:xfrm>
+            <a:off x="10776031" y="6190938"/>
+            <a:ext cx="594673" cy="479419"/>
+          </a:xfrm>
+        </p:spPr>
+        <p:txBody>
+          <a:bodyPr/>
+          <a:lstStyle/>
+          <a:p>
+            <a:pPr algn="ctr"/>
+            <a:fld id="{1397BFD8-F312-4EF2-A268-44FB4BDDBBB0}" type="slidenum">
+              <a:rPr lang="ru-RU" smtClean="0"/>
+              <a:pPr algn="ctr"/>
+              <a:t>20</a:t>
+            </a:fld>
+            <a:endParaRPr lang="ru-RU" dirty="0"/>
+          </a:p>
+        </p:txBody>
+      </p:sp>
     </p:spTree>
     <p:extLst>
       <p:ext uri="{BB962C8B-B14F-4D97-AF65-F5344CB8AC3E}">
-        <p14:creationId xmlns:p14="http://schemas.microsoft.com/office/powerpoint/2010/main" val="1711700647"/>
+        <p14:creationId xmlns:p14="http://schemas.microsoft.com/office/powerpoint/2010/main" xmlns="" val="1711700647"/>
       </p:ext>
     </p:extLst>
   </p:cSld>
@@ -6833,10 +7159,10 @@
           </p:nvPr>
         </p:nvPicPr>
         <p:blipFill>
-          <a:blip r:embed="rId2">
+          <a:blip r:embed="rId2" cstate="print">
             <a:extLst>
               <a:ext uri="{28A0092B-C50C-407E-A947-70E740481C1C}">
-                <a14:useLocalDpi xmlns:a14="http://schemas.microsoft.com/office/drawing/2010/main" val="0"/>
+                <a14:useLocalDpi xmlns:a14="http://schemas.microsoft.com/office/drawing/2010/main" xmlns="" val="0"/>
               </a:ext>
             </a:extLst>
           </a:blip>
@@ -6852,10 +7178,40 @@
           </a:xfrm>
         </p:spPr>
       </p:pic>
+      <p:sp>
+        <p:nvSpPr>
+          <p:cNvPr id="4" name="Номер слайда 5"/>
+          <p:cNvSpPr>
+            <a:spLocks noGrp="1"/>
+          </p:cNvSpPr>
+          <p:nvPr>
+            <p:ph type="sldNum" sz="quarter" idx="12"/>
+          </p:nvPr>
+        </p:nvSpPr>
+        <p:spPr>
+          <a:xfrm>
+            <a:off x="10776031" y="6190938"/>
+            <a:ext cx="594673" cy="479419"/>
+          </a:xfrm>
+        </p:spPr>
+        <p:txBody>
+          <a:bodyPr/>
+          <a:lstStyle/>
+          <a:p>
+            <a:pPr algn="ctr"/>
+            <a:fld id="{1397BFD8-F312-4EF2-A268-44FB4BDDBBB0}" type="slidenum">
+              <a:rPr lang="ru-RU" smtClean="0"/>
+              <a:pPr algn="ctr"/>
+              <a:t>21</a:t>
+            </a:fld>
+            <a:endParaRPr lang="ru-RU" dirty="0"/>
+          </a:p>
+        </p:txBody>
+      </p:sp>
     </p:spTree>
     <p:extLst>
       <p:ext uri="{BB962C8B-B14F-4D97-AF65-F5344CB8AC3E}">
-        <p14:creationId xmlns:p14="http://schemas.microsoft.com/office/powerpoint/2010/main" val="3924166236"/>
+        <p14:creationId xmlns:p14="http://schemas.microsoft.com/office/powerpoint/2010/main" xmlns="" val="3924166236"/>
       </p:ext>
     </p:extLst>
   </p:cSld>
@@ -6916,7 +7272,7 @@
           <p:cNvPr id="40962" name="Content Placeholder 2">
             <a:extLst>
               <a:ext uri="{FF2B5EF4-FFF2-40B4-BE49-F238E27FC236}">
-                <a16:creationId xmlns:a16="http://schemas.microsoft.com/office/drawing/2014/main" xmlns="" id="{C7994231-6E6F-9C44-8AD3-B00A602140A0}"/>
+                <a16:creationId xmlns="" xmlns:a16="http://schemas.microsoft.com/office/drawing/2014/main" id="{C7994231-6E6F-9C44-8AD3-B00A602140A0}"/>
               </a:ext>
             </a:extLst>
           </p:cNvPr>
@@ -7119,10 +7475,40 @@
           </a:p>
         </p:txBody>
       </p:sp>
+      <p:sp>
+        <p:nvSpPr>
+          <p:cNvPr id="4" name="Номер слайда 5"/>
+          <p:cNvSpPr>
+            <a:spLocks noGrp="1"/>
+          </p:cNvSpPr>
+          <p:nvPr>
+            <p:ph type="sldNum" sz="quarter" idx="12"/>
+          </p:nvPr>
+        </p:nvSpPr>
+        <p:spPr>
+          <a:xfrm>
+            <a:off x="10776031" y="6190938"/>
+            <a:ext cx="594673" cy="479419"/>
+          </a:xfrm>
+        </p:spPr>
+        <p:txBody>
+          <a:bodyPr/>
+          <a:lstStyle/>
+          <a:p>
+            <a:pPr algn="ctr"/>
+            <a:fld id="{1397BFD8-F312-4EF2-A268-44FB4BDDBBB0}" type="slidenum">
+              <a:rPr lang="ru-RU" smtClean="0"/>
+              <a:pPr algn="ctr"/>
+              <a:t>22</a:t>
+            </a:fld>
+            <a:endParaRPr lang="ru-RU" dirty="0"/>
+          </a:p>
+        </p:txBody>
+      </p:sp>
     </p:spTree>
     <p:extLst>
       <p:ext uri="{BB962C8B-B14F-4D97-AF65-F5344CB8AC3E}">
-        <p14:creationId xmlns:p14="http://schemas.microsoft.com/office/powerpoint/2010/main" val="3054518507"/>
+        <p14:creationId xmlns:p14="http://schemas.microsoft.com/office/powerpoint/2010/main" xmlns="" val="3054518507"/>
       </p:ext>
     </p:extLst>
   </p:cSld>
@@ -7297,10 +7683,40 @@
           </a:p>
         </p:txBody>
       </p:sp>
+      <p:sp>
+        <p:nvSpPr>
+          <p:cNvPr id="4" name="Номер слайда 5"/>
+          <p:cNvSpPr>
+            <a:spLocks noGrp="1"/>
+          </p:cNvSpPr>
+          <p:nvPr>
+            <p:ph type="sldNum" sz="quarter" idx="12"/>
+          </p:nvPr>
+        </p:nvSpPr>
+        <p:spPr>
+          <a:xfrm>
+            <a:off x="10776031" y="6190938"/>
+            <a:ext cx="594673" cy="479419"/>
+          </a:xfrm>
+        </p:spPr>
+        <p:txBody>
+          <a:bodyPr/>
+          <a:lstStyle/>
+          <a:p>
+            <a:pPr algn="ctr"/>
+            <a:fld id="{1397BFD8-F312-4EF2-A268-44FB4BDDBBB0}" type="slidenum">
+              <a:rPr lang="ru-RU" smtClean="0"/>
+              <a:pPr algn="ctr"/>
+              <a:t>23</a:t>
+            </a:fld>
+            <a:endParaRPr lang="ru-RU" dirty="0"/>
+          </a:p>
+        </p:txBody>
+      </p:sp>
     </p:spTree>
     <p:extLst>
       <p:ext uri="{BB962C8B-B14F-4D97-AF65-F5344CB8AC3E}">
-        <p14:creationId xmlns:p14="http://schemas.microsoft.com/office/powerpoint/2010/main" val="2361494563"/>
+        <p14:creationId xmlns:p14="http://schemas.microsoft.com/office/powerpoint/2010/main" xmlns="" val="2361494563"/>
       </p:ext>
     </p:extLst>
   </p:cSld>
@@ -7374,10 +7790,10 @@
           </p:nvPr>
         </p:nvPicPr>
         <p:blipFill>
-          <a:blip r:embed="rId2">
+          <a:blip r:embed="rId2" cstate="print">
             <a:extLst>
               <a:ext uri="{28A0092B-C50C-407E-A947-70E740481C1C}">
-                <a14:useLocalDpi xmlns:a14="http://schemas.microsoft.com/office/drawing/2010/main" val="0"/>
+                <a14:useLocalDpi xmlns:a14="http://schemas.microsoft.com/office/drawing/2010/main" xmlns="" val="0"/>
               </a:ext>
             </a:extLst>
           </a:blip>
@@ -7396,7 +7812,7 @@
     </p:spTree>
     <p:extLst>
       <p:ext uri="{BB962C8B-B14F-4D97-AF65-F5344CB8AC3E}">
-        <p14:creationId xmlns:p14="http://schemas.microsoft.com/office/powerpoint/2010/main" val="4037679281"/>
+        <p14:creationId xmlns:p14="http://schemas.microsoft.com/office/powerpoint/2010/main" xmlns="" val="4037679281"/>
       </p:ext>
     </p:extLst>
   </p:cSld>
@@ -7630,10 +8046,40 @@
           </a:p>
         </p:txBody>
       </p:sp>
+      <p:sp>
+        <p:nvSpPr>
+          <p:cNvPr id="4" name="Номер слайда 5"/>
+          <p:cNvSpPr>
+            <a:spLocks noGrp="1"/>
+          </p:cNvSpPr>
+          <p:nvPr>
+            <p:ph type="sldNum" sz="quarter" idx="12"/>
+          </p:nvPr>
+        </p:nvSpPr>
+        <p:spPr>
+          <a:xfrm>
+            <a:off x="10776031" y="6190938"/>
+            <a:ext cx="594673" cy="479419"/>
+          </a:xfrm>
+        </p:spPr>
+        <p:txBody>
+          <a:bodyPr/>
+          <a:lstStyle/>
+          <a:p>
+            <a:pPr algn="ctr"/>
+            <a:fld id="{1397BFD8-F312-4EF2-A268-44FB4BDDBBB0}" type="slidenum">
+              <a:rPr lang="ru-RU" smtClean="0"/>
+              <a:pPr algn="ctr"/>
+              <a:t>25</a:t>
+            </a:fld>
+            <a:endParaRPr lang="ru-RU" dirty="0"/>
+          </a:p>
+        </p:txBody>
+      </p:sp>
     </p:spTree>
     <p:extLst>
       <p:ext uri="{BB962C8B-B14F-4D97-AF65-F5344CB8AC3E}">
-        <p14:creationId xmlns:p14="http://schemas.microsoft.com/office/powerpoint/2010/main" val="3724110351"/>
+        <p14:creationId xmlns:p14="http://schemas.microsoft.com/office/powerpoint/2010/main" xmlns="" val="3724110351"/>
       </p:ext>
     </p:extLst>
   </p:cSld>
@@ -7694,7 +8140,7 @@
           <p:cNvPr id="40962" name="Content Placeholder 2">
             <a:extLst>
               <a:ext uri="{FF2B5EF4-FFF2-40B4-BE49-F238E27FC236}">
-                <a16:creationId xmlns:a16="http://schemas.microsoft.com/office/drawing/2014/main" xmlns="" id="{0E82E74E-DF81-7643-BF0A-94CB1794CACC}"/>
+                <a16:creationId xmlns="" xmlns:a16="http://schemas.microsoft.com/office/drawing/2014/main" id="{0E82E74E-DF81-7643-BF0A-94CB1794CACC}"/>
               </a:ext>
             </a:extLst>
           </p:cNvPr>
@@ -7823,10 +8269,40 @@
           </a:p>
         </p:txBody>
       </p:sp>
+      <p:sp>
+        <p:nvSpPr>
+          <p:cNvPr id="4" name="Номер слайда 5"/>
+          <p:cNvSpPr>
+            <a:spLocks noGrp="1"/>
+          </p:cNvSpPr>
+          <p:nvPr>
+            <p:ph type="sldNum" sz="quarter" idx="12"/>
+          </p:nvPr>
+        </p:nvSpPr>
+        <p:spPr>
+          <a:xfrm>
+            <a:off x="10776031" y="6190938"/>
+            <a:ext cx="594673" cy="479419"/>
+          </a:xfrm>
+        </p:spPr>
+        <p:txBody>
+          <a:bodyPr/>
+          <a:lstStyle/>
+          <a:p>
+            <a:pPr algn="ctr"/>
+            <a:fld id="{1397BFD8-F312-4EF2-A268-44FB4BDDBBB0}" type="slidenum">
+              <a:rPr lang="ru-RU" smtClean="0"/>
+              <a:pPr algn="ctr"/>
+              <a:t>26</a:t>
+            </a:fld>
+            <a:endParaRPr lang="ru-RU" dirty="0"/>
+          </a:p>
+        </p:txBody>
+      </p:sp>
     </p:spTree>
     <p:extLst>
       <p:ext uri="{BB962C8B-B14F-4D97-AF65-F5344CB8AC3E}">
-        <p14:creationId xmlns:p14="http://schemas.microsoft.com/office/powerpoint/2010/main" val="2094837691"/>
+        <p14:creationId xmlns:p14="http://schemas.microsoft.com/office/powerpoint/2010/main" xmlns="" val="2094837691"/>
       </p:ext>
     </p:extLst>
   </p:cSld>
@@ -7976,10 +8452,40 @@
           </a:p>
         </p:txBody>
       </p:sp>
+      <p:sp>
+        <p:nvSpPr>
+          <p:cNvPr id="4" name="Номер слайда 5"/>
+          <p:cNvSpPr>
+            <a:spLocks noGrp="1"/>
+          </p:cNvSpPr>
+          <p:nvPr>
+            <p:ph type="sldNum" sz="quarter" idx="12"/>
+          </p:nvPr>
+        </p:nvSpPr>
+        <p:spPr>
+          <a:xfrm>
+            <a:off x="10776031" y="6190938"/>
+            <a:ext cx="594673" cy="479419"/>
+          </a:xfrm>
+        </p:spPr>
+        <p:txBody>
+          <a:bodyPr/>
+          <a:lstStyle/>
+          <a:p>
+            <a:pPr algn="ctr"/>
+            <a:fld id="{1397BFD8-F312-4EF2-A268-44FB4BDDBBB0}" type="slidenum">
+              <a:rPr lang="ru-RU" smtClean="0"/>
+              <a:pPr algn="ctr"/>
+              <a:t>27</a:t>
+            </a:fld>
+            <a:endParaRPr lang="ru-RU" dirty="0"/>
+          </a:p>
+        </p:txBody>
+      </p:sp>
     </p:spTree>
     <p:extLst>
       <p:ext uri="{BB962C8B-B14F-4D97-AF65-F5344CB8AC3E}">
-        <p14:creationId xmlns:p14="http://schemas.microsoft.com/office/powerpoint/2010/main" val="2625663860"/>
+        <p14:creationId xmlns:p14="http://schemas.microsoft.com/office/powerpoint/2010/main" xmlns="" val="2625663860"/>
       </p:ext>
     </p:extLst>
   </p:cSld>
@@ -8186,7 +8692,7 @@
     </p:spTree>
     <p:extLst>
       <p:ext uri="{BB962C8B-B14F-4D97-AF65-F5344CB8AC3E}">
-        <p14:creationId xmlns:p14="http://schemas.microsoft.com/office/powerpoint/2010/main" val="3759950327"/>
+        <p14:creationId xmlns:p14="http://schemas.microsoft.com/office/powerpoint/2010/main" xmlns="" val="3759950327"/>
       </p:ext>
     </p:extLst>
   </p:cSld>
@@ -8253,10 +8759,10 @@
           </p:nvPr>
         </p:nvPicPr>
         <p:blipFill>
-          <a:blip r:embed="rId2">
+          <a:blip r:embed="rId2" cstate="print">
             <a:extLst>
               <a:ext uri="{28A0092B-C50C-407E-A947-70E740481C1C}">
-                <a14:useLocalDpi xmlns:a14="http://schemas.microsoft.com/office/drawing/2010/main" val="0"/>
+                <a14:useLocalDpi xmlns:a14="http://schemas.microsoft.com/office/drawing/2010/main" xmlns="" val="0"/>
               </a:ext>
             </a:extLst>
           </a:blip>
@@ -8272,10 +8778,40 @@
           </a:xfrm>
         </p:spPr>
       </p:pic>
+      <p:sp>
+        <p:nvSpPr>
+          <p:cNvPr id="4" name="Номер слайда 5"/>
+          <p:cNvSpPr>
+            <a:spLocks noGrp="1"/>
+          </p:cNvSpPr>
+          <p:nvPr>
+            <p:ph type="sldNum" sz="quarter" idx="12"/>
+          </p:nvPr>
+        </p:nvSpPr>
+        <p:spPr>
+          <a:xfrm>
+            <a:off x="10776031" y="6190938"/>
+            <a:ext cx="594673" cy="479419"/>
+          </a:xfrm>
+        </p:spPr>
+        <p:txBody>
+          <a:bodyPr/>
+          <a:lstStyle/>
+          <a:p>
+            <a:pPr algn="ctr"/>
+            <a:fld id="{1397BFD8-F312-4EF2-A268-44FB4BDDBBB0}" type="slidenum">
+              <a:rPr lang="ru-RU" smtClean="0"/>
+              <a:pPr algn="ctr"/>
+              <a:t>29</a:t>
+            </a:fld>
+            <a:endParaRPr lang="ru-RU" dirty="0"/>
+          </a:p>
+        </p:txBody>
+      </p:sp>
     </p:spTree>
     <p:extLst>
       <p:ext uri="{BB962C8B-B14F-4D97-AF65-F5344CB8AC3E}">
-        <p14:creationId xmlns:p14="http://schemas.microsoft.com/office/powerpoint/2010/main" val="2089999473"/>
+        <p14:creationId xmlns:p14="http://schemas.microsoft.com/office/powerpoint/2010/main" xmlns="" val="2089999473"/>
       </p:ext>
     </p:extLst>
   </p:cSld>
@@ -8418,7 +8954,7 @@
     </p:spTree>
     <p:extLst>
       <p:ext uri="{BB962C8B-B14F-4D97-AF65-F5344CB8AC3E}">
-        <p14:creationId xmlns:p14="http://schemas.microsoft.com/office/powerpoint/2010/main" val="3310793426"/>
+        <p14:creationId xmlns:p14="http://schemas.microsoft.com/office/powerpoint/2010/main" xmlns="" val="3310793426"/>
       </p:ext>
     </p:extLst>
   </p:cSld>
@@ -8487,7 +9023,7 @@
           <p:cNvPr id="40962" name="Content Placeholder 2">
             <a:extLst>
               <a:ext uri="{FF2B5EF4-FFF2-40B4-BE49-F238E27FC236}">
-                <a16:creationId xmlns:a16="http://schemas.microsoft.com/office/drawing/2014/main" xmlns="" id="{FEC94855-9B30-1A4F-BF4B-C3A922B4EC68}"/>
+                <a16:creationId xmlns="" xmlns:a16="http://schemas.microsoft.com/office/drawing/2014/main" id="{FEC94855-9B30-1A4F-BF4B-C3A922B4EC68}"/>
               </a:ext>
             </a:extLst>
           </p:cNvPr>
@@ -8686,7 +9222,7 @@
     </p:spTree>
     <p:extLst>
       <p:ext uri="{BB962C8B-B14F-4D97-AF65-F5344CB8AC3E}">
-        <p14:creationId xmlns:p14="http://schemas.microsoft.com/office/powerpoint/2010/main" val="2400306427"/>
+        <p14:creationId xmlns:p14="http://schemas.microsoft.com/office/powerpoint/2010/main" xmlns="" val="2400306427"/>
       </p:ext>
     </p:extLst>
   </p:cSld>
@@ -8747,7 +9283,7 @@
           <p:cNvPr id="40962" name="Content Placeholder 2">
             <a:extLst>
               <a:ext uri="{FF2B5EF4-FFF2-40B4-BE49-F238E27FC236}">
-                <a16:creationId xmlns:a16="http://schemas.microsoft.com/office/drawing/2014/main" xmlns="" id="{5C6CCD97-22DF-BB4E-91B4-2E445C3D6EE9}"/>
+                <a16:creationId xmlns="" xmlns:a16="http://schemas.microsoft.com/office/drawing/2014/main" id="{5C6CCD97-22DF-BB4E-91B4-2E445C3D6EE9}"/>
               </a:ext>
             </a:extLst>
           </p:cNvPr>
@@ -8957,7 +9493,7 @@
     </p:spTree>
     <p:extLst>
       <p:ext uri="{BB962C8B-B14F-4D97-AF65-F5344CB8AC3E}">
-        <p14:creationId xmlns:p14="http://schemas.microsoft.com/office/powerpoint/2010/main" val="1665122838"/>
+        <p14:creationId xmlns:p14="http://schemas.microsoft.com/office/powerpoint/2010/main" xmlns="" val="1665122838"/>
       </p:ext>
     </p:extLst>
   </p:cSld>
@@ -9109,10 +9645,40 @@
           </a:p>
         </p:txBody>
       </p:sp>
+      <p:sp>
+        <p:nvSpPr>
+          <p:cNvPr id="4" name="Номер слайда 5"/>
+          <p:cNvSpPr>
+            <a:spLocks noGrp="1"/>
+          </p:cNvSpPr>
+          <p:nvPr>
+            <p:ph type="sldNum" sz="quarter" idx="12"/>
+          </p:nvPr>
+        </p:nvSpPr>
+        <p:spPr>
+          <a:xfrm>
+            <a:off x="10776031" y="6190938"/>
+            <a:ext cx="594673" cy="479419"/>
+          </a:xfrm>
+        </p:spPr>
+        <p:txBody>
+          <a:bodyPr/>
+          <a:lstStyle/>
+          <a:p>
+            <a:pPr algn="ctr"/>
+            <a:fld id="{1397BFD8-F312-4EF2-A268-44FB4BDDBBB0}" type="slidenum">
+              <a:rPr lang="ru-RU" smtClean="0"/>
+              <a:pPr algn="ctr"/>
+              <a:t>32</a:t>
+            </a:fld>
+            <a:endParaRPr lang="ru-RU" dirty="0"/>
+          </a:p>
+        </p:txBody>
+      </p:sp>
     </p:spTree>
     <p:extLst>
       <p:ext uri="{BB962C8B-B14F-4D97-AF65-F5344CB8AC3E}">
-        <p14:creationId xmlns:p14="http://schemas.microsoft.com/office/powerpoint/2010/main" val="3967394455"/>
+        <p14:creationId xmlns:p14="http://schemas.microsoft.com/office/powerpoint/2010/main" xmlns="" val="3967394455"/>
       </p:ext>
     </p:extLst>
   </p:cSld>
@@ -9308,10 +9874,40 @@
           </a:p>
         </p:txBody>
       </p:sp>
+      <p:sp>
+        <p:nvSpPr>
+          <p:cNvPr id="4" name="Номер слайда 5"/>
+          <p:cNvSpPr>
+            <a:spLocks noGrp="1"/>
+          </p:cNvSpPr>
+          <p:nvPr>
+            <p:ph type="sldNum" sz="quarter" idx="12"/>
+          </p:nvPr>
+        </p:nvSpPr>
+        <p:spPr>
+          <a:xfrm>
+            <a:off x="10776031" y="6190938"/>
+            <a:ext cx="594673" cy="479419"/>
+          </a:xfrm>
+        </p:spPr>
+        <p:txBody>
+          <a:bodyPr/>
+          <a:lstStyle/>
+          <a:p>
+            <a:pPr algn="ctr"/>
+            <a:fld id="{1397BFD8-F312-4EF2-A268-44FB4BDDBBB0}" type="slidenum">
+              <a:rPr lang="ru-RU" smtClean="0"/>
+              <a:pPr algn="ctr"/>
+              <a:t>33</a:t>
+            </a:fld>
+            <a:endParaRPr lang="ru-RU" dirty="0"/>
+          </a:p>
+        </p:txBody>
+      </p:sp>
     </p:spTree>
     <p:extLst>
       <p:ext uri="{BB962C8B-B14F-4D97-AF65-F5344CB8AC3E}">
-        <p14:creationId xmlns:p14="http://schemas.microsoft.com/office/powerpoint/2010/main" val="934034864"/>
+        <p14:creationId xmlns:p14="http://schemas.microsoft.com/office/powerpoint/2010/main" xmlns="" val="934034864"/>
       </p:ext>
     </p:extLst>
   </p:cSld>
@@ -9378,10 +9974,10 @@
           </p:nvPr>
         </p:nvPicPr>
         <p:blipFill>
-          <a:blip r:embed="rId2">
+          <a:blip r:embed="rId2" cstate="print">
             <a:extLst>
               <a:ext uri="{28A0092B-C50C-407E-A947-70E740481C1C}">
-                <a14:useLocalDpi xmlns:a14="http://schemas.microsoft.com/office/drawing/2010/main" val="0"/>
+                <a14:useLocalDpi xmlns:a14="http://schemas.microsoft.com/office/drawing/2010/main" xmlns="" val="0"/>
               </a:ext>
             </a:extLst>
           </a:blip>
@@ -9397,10 +9993,40 @@
           </a:xfrm>
         </p:spPr>
       </p:pic>
+      <p:sp>
+        <p:nvSpPr>
+          <p:cNvPr id="4" name="Номер слайда 5"/>
+          <p:cNvSpPr>
+            <a:spLocks noGrp="1"/>
+          </p:cNvSpPr>
+          <p:nvPr>
+            <p:ph type="sldNum" sz="quarter" idx="12"/>
+          </p:nvPr>
+        </p:nvSpPr>
+        <p:spPr>
+          <a:xfrm>
+            <a:off x="10776031" y="6190938"/>
+            <a:ext cx="594673" cy="479419"/>
+          </a:xfrm>
+        </p:spPr>
+        <p:txBody>
+          <a:bodyPr/>
+          <a:lstStyle/>
+          <a:p>
+            <a:pPr algn="ctr"/>
+            <a:fld id="{1397BFD8-F312-4EF2-A268-44FB4BDDBBB0}" type="slidenum">
+              <a:rPr lang="ru-RU" smtClean="0"/>
+              <a:pPr algn="ctr"/>
+              <a:t>34</a:t>
+            </a:fld>
+            <a:endParaRPr lang="ru-RU" dirty="0"/>
+          </a:p>
+        </p:txBody>
+      </p:sp>
     </p:spTree>
     <p:extLst>
       <p:ext uri="{BB962C8B-B14F-4D97-AF65-F5344CB8AC3E}">
-        <p14:creationId xmlns:p14="http://schemas.microsoft.com/office/powerpoint/2010/main" val="2619019187"/>
+        <p14:creationId xmlns:p14="http://schemas.microsoft.com/office/powerpoint/2010/main" xmlns="" val="2619019187"/>
       </p:ext>
     </p:extLst>
   </p:cSld>
@@ -9461,7 +10087,7 @@
           <p:cNvPr id="40962" name="Content Placeholder 2">
             <a:extLst>
               <a:ext uri="{FF2B5EF4-FFF2-40B4-BE49-F238E27FC236}">
-                <a16:creationId xmlns:a16="http://schemas.microsoft.com/office/drawing/2014/main" xmlns="" id="{7FA8E3AE-9796-DB4A-8D11-3B1343AD0667}"/>
+                <a16:creationId xmlns="" xmlns:a16="http://schemas.microsoft.com/office/drawing/2014/main" id="{7FA8E3AE-9796-DB4A-8D11-3B1343AD0667}"/>
               </a:ext>
             </a:extLst>
           </p:cNvPr>
@@ -9546,10 +10172,40 @@
           </a:p>
         </p:txBody>
       </p:sp>
+      <p:sp>
+        <p:nvSpPr>
+          <p:cNvPr id="4" name="Номер слайда 5"/>
+          <p:cNvSpPr>
+            <a:spLocks noGrp="1"/>
+          </p:cNvSpPr>
+          <p:nvPr>
+            <p:ph type="sldNum" sz="quarter" idx="12"/>
+          </p:nvPr>
+        </p:nvSpPr>
+        <p:spPr>
+          <a:xfrm>
+            <a:off x="10776031" y="6190938"/>
+            <a:ext cx="594673" cy="479419"/>
+          </a:xfrm>
+        </p:spPr>
+        <p:txBody>
+          <a:bodyPr/>
+          <a:lstStyle/>
+          <a:p>
+            <a:pPr algn="ctr"/>
+            <a:fld id="{1397BFD8-F312-4EF2-A268-44FB4BDDBBB0}" type="slidenum">
+              <a:rPr lang="ru-RU" smtClean="0"/>
+              <a:pPr algn="ctr"/>
+              <a:t>35</a:t>
+            </a:fld>
+            <a:endParaRPr lang="ru-RU" dirty="0"/>
+          </a:p>
+        </p:txBody>
+      </p:sp>
     </p:spTree>
     <p:extLst>
       <p:ext uri="{BB962C8B-B14F-4D97-AF65-F5344CB8AC3E}">
-        <p14:creationId xmlns:p14="http://schemas.microsoft.com/office/powerpoint/2010/main" val="1880000418"/>
+        <p14:creationId xmlns:p14="http://schemas.microsoft.com/office/powerpoint/2010/main" xmlns="" val="1880000418"/>
       </p:ext>
     </p:extLst>
   </p:cSld>
@@ -9610,7 +10266,7 @@
           <p:cNvPr id="40962" name="Content Placeholder 2">
             <a:extLst>
               <a:ext uri="{FF2B5EF4-FFF2-40B4-BE49-F238E27FC236}">
-                <a16:creationId xmlns:a16="http://schemas.microsoft.com/office/drawing/2014/main" xmlns="" id="{ABDD2950-5810-2E43-8F43-750FC8C93689}"/>
+                <a16:creationId xmlns="" xmlns:a16="http://schemas.microsoft.com/office/drawing/2014/main" id="{ABDD2950-5810-2E43-8F43-750FC8C93689}"/>
               </a:ext>
             </a:extLst>
           </p:cNvPr>
@@ -9771,10 +10427,40 @@
           </a:p>
         </p:txBody>
       </p:sp>
+      <p:sp>
+        <p:nvSpPr>
+          <p:cNvPr id="4" name="Номер слайда 5"/>
+          <p:cNvSpPr>
+            <a:spLocks noGrp="1"/>
+          </p:cNvSpPr>
+          <p:nvPr>
+            <p:ph type="sldNum" sz="quarter" idx="12"/>
+          </p:nvPr>
+        </p:nvSpPr>
+        <p:spPr>
+          <a:xfrm>
+            <a:off x="10776031" y="6190938"/>
+            <a:ext cx="594673" cy="479419"/>
+          </a:xfrm>
+        </p:spPr>
+        <p:txBody>
+          <a:bodyPr/>
+          <a:lstStyle/>
+          <a:p>
+            <a:pPr algn="ctr"/>
+            <a:fld id="{1397BFD8-F312-4EF2-A268-44FB4BDDBBB0}" type="slidenum">
+              <a:rPr lang="ru-RU" smtClean="0"/>
+              <a:pPr algn="ctr"/>
+              <a:t>36</a:t>
+            </a:fld>
+            <a:endParaRPr lang="ru-RU" dirty="0"/>
+          </a:p>
+        </p:txBody>
+      </p:sp>
     </p:spTree>
     <p:extLst>
       <p:ext uri="{BB962C8B-B14F-4D97-AF65-F5344CB8AC3E}">
-        <p14:creationId xmlns:p14="http://schemas.microsoft.com/office/powerpoint/2010/main" val="3926118760"/>
+        <p14:creationId xmlns:p14="http://schemas.microsoft.com/office/powerpoint/2010/main" xmlns="" val="3926118760"/>
       </p:ext>
     </p:extLst>
   </p:cSld>
@@ -9905,10 +10591,40 @@
           </a:p>
         </p:txBody>
       </p:sp>
+      <p:sp>
+        <p:nvSpPr>
+          <p:cNvPr id="4" name="Номер слайда 5"/>
+          <p:cNvSpPr>
+            <a:spLocks noGrp="1"/>
+          </p:cNvSpPr>
+          <p:nvPr>
+            <p:ph type="sldNum" sz="quarter" idx="12"/>
+          </p:nvPr>
+        </p:nvSpPr>
+        <p:spPr>
+          <a:xfrm>
+            <a:off x="10776031" y="6190938"/>
+            <a:ext cx="594673" cy="479419"/>
+          </a:xfrm>
+        </p:spPr>
+        <p:txBody>
+          <a:bodyPr/>
+          <a:lstStyle/>
+          <a:p>
+            <a:pPr algn="ctr"/>
+            <a:fld id="{1397BFD8-F312-4EF2-A268-44FB4BDDBBB0}" type="slidenum">
+              <a:rPr lang="ru-RU" smtClean="0"/>
+              <a:pPr algn="ctr"/>
+              <a:t>37</a:t>
+            </a:fld>
+            <a:endParaRPr lang="ru-RU" dirty="0"/>
+          </a:p>
+        </p:txBody>
+      </p:sp>
     </p:spTree>
     <p:extLst>
       <p:ext uri="{BB962C8B-B14F-4D97-AF65-F5344CB8AC3E}">
-        <p14:creationId xmlns:p14="http://schemas.microsoft.com/office/powerpoint/2010/main" val="1018339283"/>
+        <p14:creationId xmlns:p14="http://schemas.microsoft.com/office/powerpoint/2010/main" xmlns="" val="1018339283"/>
       </p:ext>
     </p:extLst>
   </p:cSld>
@@ -9969,7 +10685,7 @@
           <p:cNvPr id="2" name="Content Placeholder 2">
             <a:extLst>
               <a:ext uri="{FF2B5EF4-FFF2-40B4-BE49-F238E27FC236}">
-                <a16:creationId xmlns:a16="http://schemas.microsoft.com/office/drawing/2014/main" xmlns="" id="{57D6846B-373E-6747-A720-DB9BFDCC596D}"/>
+                <a16:creationId xmlns="" xmlns:a16="http://schemas.microsoft.com/office/drawing/2014/main" id="{57D6846B-373E-6747-A720-DB9BFDCC596D}"/>
               </a:ext>
             </a:extLst>
           </p:cNvPr>
@@ -10162,10 +10878,40 @@
           </a:p>
         </p:txBody>
       </p:sp>
+      <p:sp>
+        <p:nvSpPr>
+          <p:cNvPr id="4" name="Номер слайда 5"/>
+          <p:cNvSpPr>
+            <a:spLocks noGrp="1"/>
+          </p:cNvSpPr>
+          <p:nvPr>
+            <p:ph type="sldNum" sz="quarter" idx="12"/>
+          </p:nvPr>
+        </p:nvSpPr>
+        <p:spPr>
+          <a:xfrm>
+            <a:off x="10776031" y="6190938"/>
+            <a:ext cx="594673" cy="479419"/>
+          </a:xfrm>
+        </p:spPr>
+        <p:txBody>
+          <a:bodyPr/>
+          <a:lstStyle/>
+          <a:p>
+            <a:pPr algn="ctr"/>
+            <a:fld id="{1397BFD8-F312-4EF2-A268-44FB4BDDBBB0}" type="slidenum">
+              <a:rPr lang="ru-RU" smtClean="0"/>
+              <a:pPr algn="ctr"/>
+              <a:t>38</a:t>
+            </a:fld>
+            <a:endParaRPr lang="ru-RU" dirty="0"/>
+          </a:p>
+        </p:txBody>
+      </p:sp>
     </p:spTree>
     <p:extLst>
       <p:ext uri="{BB962C8B-B14F-4D97-AF65-F5344CB8AC3E}">
-        <p14:creationId xmlns:p14="http://schemas.microsoft.com/office/powerpoint/2010/main" val="640358110"/>
+        <p14:creationId xmlns:p14="http://schemas.microsoft.com/office/powerpoint/2010/main" xmlns="" val="640358110"/>
       </p:ext>
     </p:extLst>
   </p:cSld>
@@ -10226,7 +10972,7 @@
           <p:cNvPr id="40962" name="Content Placeholder 2">
             <a:extLst>
               <a:ext uri="{FF2B5EF4-FFF2-40B4-BE49-F238E27FC236}">
-                <a16:creationId xmlns:a16="http://schemas.microsoft.com/office/drawing/2014/main" xmlns="" id="{ABA5D7B1-BEF4-C94C-918D-A1F6DCEBEF55}"/>
+                <a16:creationId xmlns="" xmlns:a16="http://schemas.microsoft.com/office/drawing/2014/main" id="{ABA5D7B1-BEF4-C94C-918D-A1F6DCEBEF55}"/>
               </a:ext>
             </a:extLst>
           </p:cNvPr>
@@ -10463,10 +11209,40 @@
           </a:p>
         </p:txBody>
       </p:sp>
+      <p:sp>
+        <p:nvSpPr>
+          <p:cNvPr id="4" name="Номер слайда 5"/>
+          <p:cNvSpPr>
+            <a:spLocks noGrp="1"/>
+          </p:cNvSpPr>
+          <p:nvPr>
+            <p:ph type="sldNum" sz="quarter" idx="12"/>
+          </p:nvPr>
+        </p:nvSpPr>
+        <p:spPr>
+          <a:xfrm>
+            <a:off x="10776031" y="6190938"/>
+            <a:ext cx="594673" cy="479419"/>
+          </a:xfrm>
+        </p:spPr>
+        <p:txBody>
+          <a:bodyPr/>
+          <a:lstStyle/>
+          <a:p>
+            <a:pPr algn="ctr"/>
+            <a:fld id="{1397BFD8-F312-4EF2-A268-44FB4BDDBBB0}" type="slidenum">
+              <a:rPr lang="ru-RU" smtClean="0"/>
+              <a:pPr algn="ctr"/>
+              <a:t>39</a:t>
+            </a:fld>
+            <a:endParaRPr lang="ru-RU" dirty="0"/>
+          </a:p>
+        </p:txBody>
+      </p:sp>
     </p:spTree>
     <p:extLst>
       <p:ext uri="{BB962C8B-B14F-4D97-AF65-F5344CB8AC3E}">
-        <p14:creationId xmlns:p14="http://schemas.microsoft.com/office/powerpoint/2010/main" val="4140600696"/>
+        <p14:creationId xmlns:p14="http://schemas.microsoft.com/office/powerpoint/2010/main" xmlns="" val="4140600696"/>
       </p:ext>
     </p:extLst>
   </p:cSld>
@@ -10802,7 +11578,7 @@
     </p:spTree>
     <p:extLst>
       <p:ext uri="{BB962C8B-B14F-4D97-AF65-F5344CB8AC3E}">
-        <p14:creationId xmlns:p14="http://schemas.microsoft.com/office/powerpoint/2010/main" val="903874846"/>
+        <p14:creationId xmlns:p14="http://schemas.microsoft.com/office/powerpoint/2010/main" xmlns="" val="903874846"/>
       </p:ext>
     </p:extLst>
   </p:cSld>
@@ -11032,10 +11808,40 @@
           </a:p>
         </p:txBody>
       </p:sp>
+      <p:sp>
+        <p:nvSpPr>
+          <p:cNvPr id="4" name="Номер слайда 5"/>
+          <p:cNvSpPr>
+            <a:spLocks noGrp="1"/>
+          </p:cNvSpPr>
+          <p:nvPr>
+            <p:ph type="sldNum" sz="quarter" idx="12"/>
+          </p:nvPr>
+        </p:nvSpPr>
+        <p:spPr>
+          <a:xfrm>
+            <a:off x="10776031" y="6190938"/>
+            <a:ext cx="594673" cy="479419"/>
+          </a:xfrm>
+        </p:spPr>
+        <p:txBody>
+          <a:bodyPr/>
+          <a:lstStyle/>
+          <a:p>
+            <a:pPr algn="ctr"/>
+            <a:fld id="{1397BFD8-F312-4EF2-A268-44FB4BDDBBB0}" type="slidenum">
+              <a:rPr lang="ru-RU" smtClean="0"/>
+              <a:pPr algn="ctr"/>
+              <a:t>40</a:t>
+            </a:fld>
+            <a:endParaRPr lang="ru-RU" dirty="0"/>
+          </a:p>
+        </p:txBody>
+      </p:sp>
     </p:spTree>
     <p:extLst>
       <p:ext uri="{BB962C8B-B14F-4D97-AF65-F5344CB8AC3E}">
-        <p14:creationId xmlns:p14="http://schemas.microsoft.com/office/powerpoint/2010/main" val="2572441129"/>
+        <p14:creationId xmlns:p14="http://schemas.microsoft.com/office/powerpoint/2010/main" xmlns="" val="2572441129"/>
       </p:ext>
     </p:extLst>
   </p:cSld>
@@ -11208,10 +12014,40 @@
           </a:p>
         </p:txBody>
       </p:sp>
+      <p:sp>
+        <p:nvSpPr>
+          <p:cNvPr id="4" name="Номер слайда 5"/>
+          <p:cNvSpPr>
+            <a:spLocks noGrp="1"/>
+          </p:cNvSpPr>
+          <p:nvPr>
+            <p:ph type="sldNum" sz="quarter" idx="12"/>
+          </p:nvPr>
+        </p:nvSpPr>
+        <p:spPr>
+          <a:xfrm>
+            <a:off x="10776031" y="6190938"/>
+            <a:ext cx="594673" cy="479419"/>
+          </a:xfrm>
+        </p:spPr>
+        <p:txBody>
+          <a:bodyPr/>
+          <a:lstStyle/>
+          <a:p>
+            <a:pPr algn="ctr"/>
+            <a:fld id="{1397BFD8-F312-4EF2-A268-44FB4BDDBBB0}" type="slidenum">
+              <a:rPr lang="ru-RU" smtClean="0"/>
+              <a:pPr algn="ctr"/>
+              <a:t>41</a:t>
+            </a:fld>
+            <a:endParaRPr lang="ru-RU" dirty="0"/>
+          </a:p>
+        </p:txBody>
+      </p:sp>
     </p:spTree>
     <p:extLst>
       <p:ext uri="{BB962C8B-B14F-4D97-AF65-F5344CB8AC3E}">
-        <p14:creationId xmlns:p14="http://schemas.microsoft.com/office/powerpoint/2010/main" val="2061112159"/>
+        <p14:creationId xmlns:p14="http://schemas.microsoft.com/office/powerpoint/2010/main" xmlns="" val="2061112159"/>
       </p:ext>
     </p:extLst>
   </p:cSld>
@@ -11278,10 +12114,10 @@
           </p:nvPr>
         </p:nvPicPr>
         <p:blipFill>
-          <a:blip r:embed="rId2">
+          <a:blip r:embed="rId2" cstate="print">
             <a:extLst>
               <a:ext uri="{28A0092B-C50C-407E-A947-70E740481C1C}">
-                <a14:useLocalDpi xmlns:a14="http://schemas.microsoft.com/office/drawing/2010/main" val="0"/>
+                <a14:useLocalDpi xmlns:a14="http://schemas.microsoft.com/office/drawing/2010/main" xmlns="" val="0"/>
               </a:ext>
             </a:extLst>
           </a:blip>
@@ -11297,10 +12133,40 @@
           </a:xfrm>
         </p:spPr>
       </p:pic>
+      <p:sp>
+        <p:nvSpPr>
+          <p:cNvPr id="4" name="Номер слайда 5"/>
+          <p:cNvSpPr>
+            <a:spLocks noGrp="1"/>
+          </p:cNvSpPr>
+          <p:nvPr>
+            <p:ph type="sldNum" sz="quarter" idx="12"/>
+          </p:nvPr>
+        </p:nvSpPr>
+        <p:spPr>
+          <a:xfrm>
+            <a:off x="10776031" y="6190938"/>
+            <a:ext cx="594673" cy="479419"/>
+          </a:xfrm>
+        </p:spPr>
+        <p:txBody>
+          <a:bodyPr/>
+          <a:lstStyle/>
+          <a:p>
+            <a:pPr algn="ctr"/>
+            <a:fld id="{1397BFD8-F312-4EF2-A268-44FB4BDDBBB0}" type="slidenum">
+              <a:rPr lang="ru-RU" smtClean="0"/>
+              <a:pPr algn="ctr"/>
+              <a:t>42</a:t>
+            </a:fld>
+            <a:endParaRPr lang="ru-RU" dirty="0"/>
+          </a:p>
+        </p:txBody>
+      </p:sp>
     </p:spTree>
     <p:extLst>
       <p:ext uri="{BB962C8B-B14F-4D97-AF65-F5344CB8AC3E}">
-        <p14:creationId xmlns:p14="http://schemas.microsoft.com/office/powerpoint/2010/main" val="1045221910"/>
+        <p14:creationId xmlns:p14="http://schemas.microsoft.com/office/powerpoint/2010/main" xmlns="" val="1045221910"/>
       </p:ext>
     </p:extLst>
   </p:cSld>
@@ -11361,7 +12227,7 @@
           <p:cNvPr id="40962" name="Content Placeholder 2">
             <a:extLst>
               <a:ext uri="{FF2B5EF4-FFF2-40B4-BE49-F238E27FC236}">
-                <a16:creationId xmlns:a16="http://schemas.microsoft.com/office/drawing/2014/main" xmlns="" id="{EA6A0F27-9CD7-A44F-B996-BFB0F7B76AE5}"/>
+                <a16:creationId xmlns="" xmlns:a16="http://schemas.microsoft.com/office/drawing/2014/main" id="{EA6A0F27-9CD7-A44F-B996-BFB0F7B76AE5}"/>
               </a:ext>
             </a:extLst>
           </p:cNvPr>
@@ -11510,10 +12376,40 @@
           </a:p>
         </p:txBody>
       </p:sp>
+      <p:sp>
+        <p:nvSpPr>
+          <p:cNvPr id="4" name="Номер слайда 5"/>
+          <p:cNvSpPr>
+            <a:spLocks noGrp="1"/>
+          </p:cNvSpPr>
+          <p:nvPr>
+            <p:ph type="sldNum" sz="quarter" idx="12"/>
+          </p:nvPr>
+        </p:nvSpPr>
+        <p:spPr>
+          <a:xfrm>
+            <a:off x="10776031" y="6190938"/>
+            <a:ext cx="594673" cy="479419"/>
+          </a:xfrm>
+        </p:spPr>
+        <p:txBody>
+          <a:bodyPr/>
+          <a:lstStyle/>
+          <a:p>
+            <a:pPr algn="ctr"/>
+            <a:fld id="{1397BFD8-F312-4EF2-A268-44FB4BDDBBB0}" type="slidenum">
+              <a:rPr lang="ru-RU" smtClean="0"/>
+              <a:pPr algn="ctr"/>
+              <a:t>43</a:t>
+            </a:fld>
+            <a:endParaRPr lang="ru-RU" dirty="0"/>
+          </a:p>
+        </p:txBody>
+      </p:sp>
     </p:spTree>
     <p:extLst>
       <p:ext uri="{BB962C8B-B14F-4D97-AF65-F5344CB8AC3E}">
-        <p14:creationId xmlns:p14="http://schemas.microsoft.com/office/powerpoint/2010/main" val="4256460766"/>
+        <p14:creationId xmlns:p14="http://schemas.microsoft.com/office/powerpoint/2010/main" xmlns="" val="4256460766"/>
       </p:ext>
     </p:extLst>
   </p:cSld>
@@ -11580,10 +12476,10 @@
           </p:nvPr>
         </p:nvPicPr>
         <p:blipFill>
-          <a:blip r:embed="rId2">
+          <a:blip r:embed="rId2" cstate="print">
             <a:extLst>
               <a:ext uri="{28A0092B-C50C-407E-A947-70E740481C1C}">
-                <a14:useLocalDpi xmlns:a14="http://schemas.microsoft.com/office/drawing/2010/main" val="0"/>
+                <a14:useLocalDpi xmlns:a14="http://schemas.microsoft.com/office/drawing/2010/main" xmlns="" val="0"/>
               </a:ext>
             </a:extLst>
           </a:blip>
@@ -11599,10 +12495,40 @@
           </a:xfrm>
         </p:spPr>
       </p:pic>
+      <p:sp>
+        <p:nvSpPr>
+          <p:cNvPr id="4" name="Номер слайда 5"/>
+          <p:cNvSpPr>
+            <a:spLocks noGrp="1"/>
+          </p:cNvSpPr>
+          <p:nvPr>
+            <p:ph type="sldNum" sz="quarter" idx="12"/>
+          </p:nvPr>
+        </p:nvSpPr>
+        <p:spPr>
+          <a:xfrm>
+            <a:off x="10776031" y="6190938"/>
+            <a:ext cx="594673" cy="479419"/>
+          </a:xfrm>
+        </p:spPr>
+        <p:txBody>
+          <a:bodyPr/>
+          <a:lstStyle/>
+          <a:p>
+            <a:pPr algn="ctr"/>
+            <a:fld id="{1397BFD8-F312-4EF2-A268-44FB4BDDBBB0}" type="slidenum">
+              <a:rPr lang="ru-RU" smtClean="0"/>
+              <a:pPr algn="ctr"/>
+              <a:t>44</a:t>
+            </a:fld>
+            <a:endParaRPr lang="ru-RU" dirty="0"/>
+          </a:p>
+        </p:txBody>
+      </p:sp>
     </p:spTree>
     <p:extLst>
       <p:ext uri="{BB962C8B-B14F-4D97-AF65-F5344CB8AC3E}">
-        <p14:creationId xmlns:p14="http://schemas.microsoft.com/office/powerpoint/2010/main" val="1163256394"/>
+        <p14:creationId xmlns:p14="http://schemas.microsoft.com/office/powerpoint/2010/main" xmlns="" val="1163256394"/>
       </p:ext>
     </p:extLst>
   </p:cSld>
@@ -11663,7 +12589,7 @@
           <p:cNvPr id="40962" name="Content Placeholder 2">
             <a:extLst>
               <a:ext uri="{FF2B5EF4-FFF2-40B4-BE49-F238E27FC236}">
-                <a16:creationId xmlns:a16="http://schemas.microsoft.com/office/drawing/2014/main" xmlns="" id="{CF310F91-BFD2-1C41-94D4-CC7D994E26F8}"/>
+                <a16:creationId xmlns="" xmlns:a16="http://schemas.microsoft.com/office/drawing/2014/main" id="{CF310F91-BFD2-1C41-94D4-CC7D994E26F8}"/>
               </a:ext>
             </a:extLst>
           </p:cNvPr>
@@ -11974,10 +12900,40 @@
           </a:p>
         </p:txBody>
       </p:sp>
+      <p:sp>
+        <p:nvSpPr>
+          <p:cNvPr id="4" name="Номер слайда 5"/>
+          <p:cNvSpPr>
+            <a:spLocks noGrp="1"/>
+          </p:cNvSpPr>
+          <p:nvPr>
+            <p:ph type="sldNum" sz="quarter" idx="12"/>
+          </p:nvPr>
+        </p:nvSpPr>
+        <p:spPr>
+          <a:xfrm>
+            <a:off x="10776031" y="6190938"/>
+            <a:ext cx="594673" cy="479419"/>
+          </a:xfrm>
+        </p:spPr>
+        <p:txBody>
+          <a:bodyPr/>
+          <a:lstStyle/>
+          <a:p>
+            <a:pPr algn="ctr"/>
+            <a:fld id="{1397BFD8-F312-4EF2-A268-44FB4BDDBBB0}" type="slidenum">
+              <a:rPr lang="ru-RU" smtClean="0"/>
+              <a:pPr algn="ctr"/>
+              <a:t>45</a:t>
+            </a:fld>
+            <a:endParaRPr lang="ru-RU" dirty="0"/>
+          </a:p>
+        </p:txBody>
+      </p:sp>
     </p:spTree>
     <p:extLst>
       <p:ext uri="{BB962C8B-B14F-4D97-AF65-F5344CB8AC3E}">
-        <p14:creationId xmlns:p14="http://schemas.microsoft.com/office/powerpoint/2010/main" val="2118613230"/>
+        <p14:creationId xmlns:p14="http://schemas.microsoft.com/office/powerpoint/2010/main" xmlns="" val="2118613230"/>
       </p:ext>
     </p:extLst>
   </p:cSld>
@@ -12044,10 +13000,10 @@
           </p:nvPr>
         </p:nvPicPr>
         <p:blipFill>
-          <a:blip r:embed="rId2">
+          <a:blip r:embed="rId2" cstate="print">
             <a:extLst>
               <a:ext uri="{28A0092B-C50C-407E-A947-70E740481C1C}">
-                <a14:useLocalDpi xmlns:a14="http://schemas.microsoft.com/office/drawing/2010/main" val="0"/>
+                <a14:useLocalDpi xmlns:a14="http://schemas.microsoft.com/office/drawing/2010/main" xmlns="" val="0"/>
               </a:ext>
             </a:extLst>
           </a:blip>
@@ -12063,10 +13019,40 @@
           </a:xfrm>
         </p:spPr>
       </p:pic>
+      <p:sp>
+        <p:nvSpPr>
+          <p:cNvPr id="4" name="Номер слайда 5"/>
+          <p:cNvSpPr>
+            <a:spLocks noGrp="1"/>
+          </p:cNvSpPr>
+          <p:nvPr>
+            <p:ph type="sldNum" sz="quarter" idx="12"/>
+          </p:nvPr>
+        </p:nvSpPr>
+        <p:spPr>
+          <a:xfrm>
+            <a:off x="10776031" y="6190938"/>
+            <a:ext cx="594673" cy="479419"/>
+          </a:xfrm>
+        </p:spPr>
+        <p:txBody>
+          <a:bodyPr/>
+          <a:lstStyle/>
+          <a:p>
+            <a:pPr algn="ctr"/>
+            <a:fld id="{1397BFD8-F312-4EF2-A268-44FB4BDDBBB0}" type="slidenum">
+              <a:rPr lang="ru-RU" smtClean="0"/>
+              <a:pPr algn="ctr"/>
+              <a:t>46</a:t>
+            </a:fld>
+            <a:endParaRPr lang="ru-RU" dirty="0"/>
+          </a:p>
+        </p:txBody>
+      </p:sp>
     </p:spTree>
     <p:extLst>
       <p:ext uri="{BB962C8B-B14F-4D97-AF65-F5344CB8AC3E}">
-        <p14:creationId xmlns:p14="http://schemas.microsoft.com/office/powerpoint/2010/main" val="1530035588"/>
+        <p14:creationId xmlns:p14="http://schemas.microsoft.com/office/powerpoint/2010/main" xmlns="" val="1530035588"/>
       </p:ext>
     </p:extLst>
   </p:cSld>
@@ -12127,7 +13113,7 @@
           <p:cNvPr id="40962" name="Content Placeholder 2">
             <a:extLst>
               <a:ext uri="{FF2B5EF4-FFF2-40B4-BE49-F238E27FC236}">
-                <a16:creationId xmlns:a16="http://schemas.microsoft.com/office/drawing/2014/main" xmlns="" id="{CF310F91-BFD2-1C41-94D4-CC7D994E26F8}"/>
+                <a16:creationId xmlns="" xmlns:a16="http://schemas.microsoft.com/office/drawing/2014/main" id="{CF310F91-BFD2-1C41-94D4-CC7D994E26F8}"/>
               </a:ext>
             </a:extLst>
           </p:cNvPr>
@@ -12351,10 +13337,40 @@
           </a:p>
         </p:txBody>
       </p:sp>
+      <p:sp>
+        <p:nvSpPr>
+          <p:cNvPr id="4" name="Номер слайда 5"/>
+          <p:cNvSpPr>
+            <a:spLocks noGrp="1"/>
+          </p:cNvSpPr>
+          <p:nvPr>
+            <p:ph type="sldNum" sz="quarter" idx="12"/>
+          </p:nvPr>
+        </p:nvSpPr>
+        <p:spPr>
+          <a:xfrm>
+            <a:off x="10776031" y="6190938"/>
+            <a:ext cx="594673" cy="479419"/>
+          </a:xfrm>
+        </p:spPr>
+        <p:txBody>
+          <a:bodyPr/>
+          <a:lstStyle/>
+          <a:p>
+            <a:pPr algn="ctr"/>
+            <a:fld id="{1397BFD8-F312-4EF2-A268-44FB4BDDBBB0}" type="slidenum">
+              <a:rPr lang="ru-RU" smtClean="0"/>
+              <a:pPr algn="ctr"/>
+              <a:t>47</a:t>
+            </a:fld>
+            <a:endParaRPr lang="ru-RU" dirty="0"/>
+          </a:p>
+        </p:txBody>
+      </p:sp>
     </p:spTree>
     <p:extLst>
       <p:ext uri="{BB962C8B-B14F-4D97-AF65-F5344CB8AC3E}">
-        <p14:creationId xmlns:p14="http://schemas.microsoft.com/office/powerpoint/2010/main" val="1404467613"/>
+        <p14:creationId xmlns:p14="http://schemas.microsoft.com/office/powerpoint/2010/main" xmlns="" val="1404467613"/>
       </p:ext>
     </p:extLst>
   </p:cSld>
@@ -12408,7 +13424,7 @@
           <p:cNvPr id="40962" name="Content Placeholder 2">
             <a:extLst>
               <a:ext uri="{FF2B5EF4-FFF2-40B4-BE49-F238E27FC236}">
-                <a16:creationId xmlns:a16="http://schemas.microsoft.com/office/drawing/2014/main" xmlns="" id="{CF310F91-BFD2-1C41-94D4-CC7D994E26F8}"/>
+                <a16:creationId xmlns="" xmlns:a16="http://schemas.microsoft.com/office/drawing/2014/main" id="{CF310F91-BFD2-1C41-94D4-CC7D994E26F8}"/>
               </a:ext>
             </a:extLst>
           </p:cNvPr>
@@ -12559,10 +13575,40 @@
           </a:p>
         </p:txBody>
       </p:sp>
+      <p:sp>
+        <p:nvSpPr>
+          <p:cNvPr id="4" name="Номер слайда 5"/>
+          <p:cNvSpPr>
+            <a:spLocks noGrp="1"/>
+          </p:cNvSpPr>
+          <p:nvPr>
+            <p:ph type="sldNum" sz="quarter" idx="12"/>
+          </p:nvPr>
+        </p:nvSpPr>
+        <p:spPr>
+          <a:xfrm>
+            <a:off x="10776031" y="6190938"/>
+            <a:ext cx="594673" cy="479419"/>
+          </a:xfrm>
+        </p:spPr>
+        <p:txBody>
+          <a:bodyPr/>
+          <a:lstStyle/>
+          <a:p>
+            <a:pPr algn="ctr"/>
+            <a:fld id="{1397BFD8-F312-4EF2-A268-44FB4BDDBBB0}" type="slidenum">
+              <a:rPr lang="ru-RU" smtClean="0"/>
+              <a:pPr algn="ctr"/>
+              <a:t>48</a:t>
+            </a:fld>
+            <a:endParaRPr lang="ru-RU" dirty="0"/>
+          </a:p>
+        </p:txBody>
+      </p:sp>
     </p:spTree>
     <p:extLst>
       <p:ext uri="{BB962C8B-B14F-4D97-AF65-F5344CB8AC3E}">
-        <p14:creationId xmlns:p14="http://schemas.microsoft.com/office/powerpoint/2010/main" val="2985123903"/>
+        <p14:creationId xmlns:p14="http://schemas.microsoft.com/office/powerpoint/2010/main" xmlns="" val="2985123903"/>
       </p:ext>
     </p:extLst>
   </p:cSld>
@@ -13080,7 +14126,7 @@
     </p:spTree>
     <p:extLst>
       <p:ext uri="{BB962C8B-B14F-4D97-AF65-F5344CB8AC3E}">
-        <p14:creationId xmlns:p14="http://schemas.microsoft.com/office/powerpoint/2010/main" val="4217875043"/>
+        <p14:creationId xmlns:p14="http://schemas.microsoft.com/office/powerpoint/2010/main" xmlns="" val="4217875043"/>
       </p:ext>
     </p:extLst>
   </p:cSld>
@@ -13154,10 +14200,10 @@
           </p:nvPr>
         </p:nvPicPr>
         <p:blipFill>
-          <a:blip r:embed="rId2">
+          <a:blip r:embed="rId2" cstate="print">
             <a:extLst>
               <a:ext uri="{28A0092B-C50C-407E-A947-70E740481C1C}">
-                <a14:useLocalDpi xmlns:a14="http://schemas.microsoft.com/office/drawing/2010/main" val="0"/>
+                <a14:useLocalDpi xmlns:a14="http://schemas.microsoft.com/office/drawing/2010/main" xmlns="" val="0"/>
               </a:ext>
             </a:extLst>
           </a:blip>
@@ -13195,14 +14241,14 @@
           </a:ln>
           <a:extLst>
             <a:ext uri="{909E8E84-426E-40DD-AFC4-6F175D3DCCD1}">
-              <a14:hiddenFill xmlns:a14="http://schemas.microsoft.com/office/drawing/2010/main">
+              <a14:hiddenFill xmlns:a14="http://schemas.microsoft.com/office/drawing/2010/main" xmlns="">
                 <a:solidFill>
                   <a:srgbClr val="FFFFFF"/>
                 </a:solidFill>
               </a14:hiddenFill>
             </a:ext>
             <a:ext uri="{91240B29-F687-4F45-9708-019B960494DF}">
-              <a14:hiddenLine xmlns:a14="http://schemas.microsoft.com/office/drawing/2010/main" w="9525">
+              <a14:hiddenLine xmlns:a14="http://schemas.microsoft.com/office/drawing/2010/main" xmlns="" w="9525">
                 <a:solidFill>
                   <a:srgbClr val="000000"/>
                 </a:solidFill>
@@ -13431,14 +14477,14 @@
           </a:ln>
           <a:extLst>
             <a:ext uri="{909E8E84-426E-40DD-AFC4-6F175D3DCCD1}">
-              <a14:hiddenFill xmlns:a14="http://schemas.microsoft.com/office/drawing/2010/main">
+              <a14:hiddenFill xmlns:a14="http://schemas.microsoft.com/office/drawing/2010/main" xmlns="">
                 <a:solidFill>
                   <a:srgbClr val="FFFFFF"/>
                 </a:solidFill>
               </a14:hiddenFill>
             </a:ext>
             <a:ext uri="{91240B29-F687-4F45-9708-019B960494DF}">
-              <a14:hiddenLine xmlns:a14="http://schemas.microsoft.com/office/drawing/2010/main" w="9525">
+              <a14:hiddenLine xmlns:a14="http://schemas.microsoft.com/office/drawing/2010/main" xmlns="" w="9525">
                 <a:solidFill>
                   <a:srgbClr val="000000"/>
                 </a:solidFill>
@@ -13645,10 +14691,40 @@
           </a:p>
         </p:txBody>
       </p:sp>
+      <p:sp>
+        <p:nvSpPr>
+          <p:cNvPr id="6" name="Номер слайда 5"/>
+          <p:cNvSpPr>
+            <a:spLocks noGrp="1"/>
+          </p:cNvSpPr>
+          <p:nvPr>
+            <p:ph type="sldNum" sz="quarter" idx="12"/>
+          </p:nvPr>
+        </p:nvSpPr>
+        <p:spPr>
+          <a:xfrm>
+            <a:off x="10776031" y="6190938"/>
+            <a:ext cx="594673" cy="479419"/>
+          </a:xfrm>
+        </p:spPr>
+        <p:txBody>
+          <a:bodyPr/>
+          <a:lstStyle/>
+          <a:p>
+            <a:pPr algn="ctr"/>
+            <a:fld id="{1397BFD8-F312-4EF2-A268-44FB4BDDBBB0}" type="slidenum">
+              <a:rPr lang="ru-RU" smtClean="0"/>
+              <a:pPr algn="ctr"/>
+              <a:t>5</a:t>
+            </a:fld>
+            <a:endParaRPr lang="ru-RU" dirty="0"/>
+          </a:p>
+        </p:txBody>
+      </p:sp>
     </p:spTree>
     <p:extLst>
       <p:ext uri="{BB962C8B-B14F-4D97-AF65-F5344CB8AC3E}">
-        <p14:creationId xmlns:p14="http://schemas.microsoft.com/office/powerpoint/2010/main" val="4261812868"/>
+        <p14:creationId xmlns:p14="http://schemas.microsoft.com/office/powerpoint/2010/main" xmlns="" val="4261812868"/>
       </p:ext>
     </p:extLst>
   </p:cSld>
@@ -13902,10 +14978,40 @@
           </a:p>
         </p:txBody>
       </p:sp>
+      <p:sp>
+        <p:nvSpPr>
+          <p:cNvPr id="4" name="Номер слайда 5"/>
+          <p:cNvSpPr>
+            <a:spLocks noGrp="1"/>
+          </p:cNvSpPr>
+          <p:nvPr>
+            <p:ph type="sldNum" sz="quarter" idx="12"/>
+          </p:nvPr>
+        </p:nvSpPr>
+        <p:spPr>
+          <a:xfrm>
+            <a:off x="10776031" y="6190938"/>
+            <a:ext cx="594673" cy="479419"/>
+          </a:xfrm>
+        </p:spPr>
+        <p:txBody>
+          <a:bodyPr/>
+          <a:lstStyle/>
+          <a:p>
+            <a:pPr algn="ctr"/>
+            <a:fld id="{1397BFD8-F312-4EF2-A268-44FB4BDDBBB0}" type="slidenum">
+              <a:rPr lang="ru-RU" smtClean="0"/>
+              <a:pPr algn="ctr"/>
+              <a:t>6</a:t>
+            </a:fld>
+            <a:endParaRPr lang="ru-RU" dirty="0"/>
+          </a:p>
+        </p:txBody>
+      </p:sp>
     </p:spTree>
     <p:extLst>
       <p:ext uri="{BB962C8B-B14F-4D97-AF65-F5344CB8AC3E}">
-        <p14:creationId xmlns:p14="http://schemas.microsoft.com/office/powerpoint/2010/main" val="3196207119"/>
+        <p14:creationId xmlns:p14="http://schemas.microsoft.com/office/powerpoint/2010/main" xmlns="" val="3196207119"/>
       </p:ext>
     </p:extLst>
   </p:cSld>
@@ -14091,10 +15197,40 @@
           </a:p>
         </p:txBody>
       </p:sp>
+      <p:sp>
+        <p:nvSpPr>
+          <p:cNvPr id="4" name="Номер слайда 5"/>
+          <p:cNvSpPr>
+            <a:spLocks noGrp="1"/>
+          </p:cNvSpPr>
+          <p:nvPr>
+            <p:ph type="sldNum" sz="quarter" idx="12"/>
+          </p:nvPr>
+        </p:nvSpPr>
+        <p:spPr>
+          <a:xfrm>
+            <a:off x="10776031" y="6190938"/>
+            <a:ext cx="594673" cy="479419"/>
+          </a:xfrm>
+        </p:spPr>
+        <p:txBody>
+          <a:bodyPr/>
+          <a:lstStyle/>
+          <a:p>
+            <a:pPr algn="ctr"/>
+            <a:fld id="{1397BFD8-F312-4EF2-A268-44FB4BDDBBB0}" type="slidenum">
+              <a:rPr lang="ru-RU" smtClean="0"/>
+              <a:pPr algn="ctr"/>
+              <a:t>7</a:t>
+            </a:fld>
+            <a:endParaRPr lang="ru-RU" dirty="0"/>
+          </a:p>
+        </p:txBody>
+      </p:sp>
     </p:spTree>
     <p:extLst>
       <p:ext uri="{BB962C8B-B14F-4D97-AF65-F5344CB8AC3E}">
-        <p14:creationId xmlns:p14="http://schemas.microsoft.com/office/powerpoint/2010/main" val="1567600088"/>
+        <p14:creationId xmlns:p14="http://schemas.microsoft.com/office/powerpoint/2010/main" xmlns="" val="1567600088"/>
       </p:ext>
     </p:extLst>
   </p:cSld>
@@ -14300,10 +15436,40 @@
           </a:p>
         </p:txBody>
       </p:sp>
+      <p:sp>
+        <p:nvSpPr>
+          <p:cNvPr id="4" name="Номер слайда 5"/>
+          <p:cNvSpPr>
+            <a:spLocks noGrp="1"/>
+          </p:cNvSpPr>
+          <p:nvPr>
+            <p:ph type="sldNum" sz="quarter" idx="12"/>
+          </p:nvPr>
+        </p:nvSpPr>
+        <p:spPr>
+          <a:xfrm>
+            <a:off x="10776031" y="6190938"/>
+            <a:ext cx="594673" cy="479419"/>
+          </a:xfrm>
+        </p:spPr>
+        <p:txBody>
+          <a:bodyPr/>
+          <a:lstStyle/>
+          <a:p>
+            <a:pPr algn="ctr"/>
+            <a:fld id="{1397BFD8-F312-4EF2-A268-44FB4BDDBBB0}" type="slidenum">
+              <a:rPr lang="ru-RU" smtClean="0"/>
+              <a:pPr algn="ctr"/>
+              <a:t>8</a:t>
+            </a:fld>
+            <a:endParaRPr lang="ru-RU" dirty="0"/>
+          </a:p>
+        </p:txBody>
+      </p:sp>
     </p:spTree>
     <p:extLst>
       <p:ext uri="{BB962C8B-B14F-4D97-AF65-F5344CB8AC3E}">
-        <p14:creationId xmlns:p14="http://schemas.microsoft.com/office/powerpoint/2010/main" val="1471645231"/>
+        <p14:creationId xmlns:p14="http://schemas.microsoft.com/office/powerpoint/2010/main" xmlns="" val="1471645231"/>
       </p:ext>
     </p:extLst>
   </p:cSld>
@@ -14499,10 +15665,40 @@
           </a:p>
         </p:txBody>
       </p:sp>
+      <p:sp>
+        <p:nvSpPr>
+          <p:cNvPr id="4" name="Номер слайда 5"/>
+          <p:cNvSpPr>
+            <a:spLocks noGrp="1"/>
+          </p:cNvSpPr>
+          <p:nvPr>
+            <p:ph type="sldNum" sz="quarter" idx="12"/>
+          </p:nvPr>
+        </p:nvSpPr>
+        <p:spPr>
+          <a:xfrm>
+            <a:off x="10776031" y="6190938"/>
+            <a:ext cx="594673" cy="479419"/>
+          </a:xfrm>
+        </p:spPr>
+        <p:txBody>
+          <a:bodyPr/>
+          <a:lstStyle/>
+          <a:p>
+            <a:pPr algn="ctr"/>
+            <a:fld id="{1397BFD8-F312-4EF2-A268-44FB4BDDBBB0}" type="slidenum">
+              <a:rPr lang="ru-RU" smtClean="0"/>
+              <a:pPr algn="ctr"/>
+              <a:t>9</a:t>
+            </a:fld>
+            <a:endParaRPr lang="ru-RU" dirty="0"/>
+          </a:p>
+        </p:txBody>
+      </p:sp>
     </p:spTree>
     <p:extLst>
       <p:ext uri="{BB962C8B-B14F-4D97-AF65-F5344CB8AC3E}">
-        <p14:creationId xmlns:p14="http://schemas.microsoft.com/office/powerpoint/2010/main" val="3272917076"/>
+        <p14:creationId xmlns:p14="http://schemas.microsoft.com/office/powerpoint/2010/main" xmlns="" val="3272917076"/>
       </p:ext>
     </p:extLst>
   </p:cSld>
@@ -14787,7 +15983,7 @@
   <a:extraClrSchemeLst/>
   <a:extLst>
     <a:ext uri="{05A4C25C-085E-4340-85A3-A5531E510DB2}">
-      <thm15:themeFamily xmlns:thm15="http://schemas.microsoft.com/office/thememl/2012/main" name="Office Theme" id="{62F939B6-93AF-4DB8-9C6B-D6C7DFDC589F}" vid="{4A3C46E8-61CC-4603-A589-7422A47A8E4A}"/>
+      <thm15:themeFamily xmlns:thm15="http://schemas.microsoft.com/office/thememl/2012/main" xmlns="" name="Office Theme" id="{62F939B6-93AF-4DB8-9C6B-D6C7DFDC589F}" vid="{4A3C46E8-61CC-4603-A589-7422A47A8E4A}"/>
     </a:ext>
   </a:extLst>
 </a:theme>
@@ -15048,7 +16244,7 @@
   <a:extraClrSchemeLst/>
   <a:extLst>
     <a:ext uri="{05A4C25C-085E-4340-85A3-A5531E510DB2}">
-      <thm15:themeFamily xmlns:thm15="http://schemas.microsoft.com/office/thememl/2012/main" name="Office Theme" id="{62F939B6-93AF-4DB8-9C6B-D6C7DFDC589F}" vid="{4A3C46E8-61CC-4603-A589-7422A47A8E4A}"/>
+      <thm15:themeFamily xmlns:thm15="http://schemas.microsoft.com/office/thememl/2012/main" xmlns="" name="Office Theme" id="{62F939B6-93AF-4DB8-9C6B-D6C7DFDC589F}" vid="{4A3C46E8-61CC-4603-A589-7422A47A8E4A}"/>
     </a:ext>
   </a:extLst>
 </a:theme>
@@ -15309,7 +16505,7 @@
   <a:extraClrSchemeLst/>
   <a:extLst>
     <a:ext uri="{05A4C25C-085E-4340-85A3-A5531E510DB2}">
-      <thm15:themeFamily xmlns:thm15="http://schemas.microsoft.com/office/thememl/2012/main" name="Office Theme" id="{62F939B6-93AF-4DB8-9C6B-D6C7DFDC589F}" vid="{4A3C46E8-61CC-4603-A589-7422A47A8E4A}"/>
+      <thm15:themeFamily xmlns:thm15="http://schemas.microsoft.com/office/thememl/2012/main" xmlns="" name="Office Theme" id="{62F939B6-93AF-4DB8-9C6B-D6C7DFDC589F}" vid="{4A3C46E8-61CC-4603-A589-7422A47A8E4A}"/>
     </a:ext>
   </a:extLst>
 </a:theme>
